--- a/backend/app/templates/4.pptx
+++ b/backend/app/templates/4.pptx
@@ -1,16 +1,16 @@
 
 <file path=ppt/presentation.xml><?xml version="1.0" encoding="utf-8"?>
-<p:presentation xmlns:a="http://schemas.openxmlformats.org/drawingml/2006/main" xmlns:r="http://schemas.openxmlformats.org/officeDocument/2006/relationships" xmlns:p="http://schemas.openxmlformats.org/presentationml/2006/main" xmlns:m="http://schemas.openxmlformats.org/officeDocument/2006/math" xmlns:w="http://schemas.openxmlformats.org/wordprocessingml/2006/main" saveSubsetFonts="1">
+<p:presentation xmlns:a="http://schemas.openxmlformats.org/drawingml/2006/main" xmlns:r="http://schemas.openxmlformats.org/officeDocument/2006/relationships" xmlns:p="http://schemas.openxmlformats.org/presentationml/2006/main" xmlns:m="http://schemas.openxmlformats.org/officeDocument/2006/math" xmlns:w="http://schemas.openxmlformats.org/wordprocessingml/2006/main" autoCompressPictures="0" removePersonalInfoOnSave="1">
   <p:sldMasterIdLst>
     <p:sldMasterId id="2147483648" r:id="rId1"/>
   </p:sldMasterIdLst>
-  <p:sldSz cx="9144000" cy="6858000" type="screen4x3"/>
-  <p:notesSz cx="9144000" cy="6858000"/>
+  <p:sldSz cx="12192000" cy="6858000"/>
+  <p:notesSz cx="12192000" cy="6858000"/>
   <p:defaultTextStyle>
     <a:defPPr>
-      <a:defRPr lang="en-US"/>
+      <a:defRPr/>
     </a:defPPr>
-    <a:lvl1pPr marL="0" algn="l" defTabSz="914400">
+    <a:lvl1pPr marL="0" algn="l" defTabSz="457200">
       <a:defRPr sz="1800">
         <a:solidFill>
           <a:schemeClr val="tx1"/>
@@ -20,7 +20,7 @@
         <a:cs typeface="+mn-cs"/>
       </a:defRPr>
     </a:lvl1pPr>
-    <a:lvl2pPr marL="457200" algn="l" defTabSz="914400">
+    <a:lvl2pPr marL="457200" algn="l" defTabSz="457200">
       <a:defRPr sz="1800">
         <a:solidFill>
           <a:schemeClr val="tx1"/>
@@ -30,7 +30,7 @@
         <a:cs typeface="+mn-cs"/>
       </a:defRPr>
     </a:lvl2pPr>
-    <a:lvl3pPr marL="914400" algn="l" defTabSz="914400">
+    <a:lvl3pPr marL="914400" algn="l" defTabSz="457200">
       <a:defRPr sz="1800">
         <a:solidFill>
           <a:schemeClr val="tx1"/>
@@ -40,7 +40,7 @@
         <a:cs typeface="+mn-cs"/>
       </a:defRPr>
     </a:lvl3pPr>
-    <a:lvl4pPr marL="1371600" algn="l" defTabSz="914400">
+    <a:lvl4pPr marL="1371600" algn="l" defTabSz="457200">
       <a:defRPr sz="1800">
         <a:solidFill>
           <a:schemeClr val="tx1"/>
@@ -50,7 +50,7 @@
         <a:cs typeface="+mn-cs"/>
       </a:defRPr>
     </a:lvl4pPr>
-    <a:lvl5pPr marL="1828800" algn="l" defTabSz="914400">
+    <a:lvl5pPr marL="1828800" algn="l" defTabSz="457200">
       <a:defRPr sz="1800">
         <a:solidFill>
           <a:schemeClr val="tx1"/>
@@ -60,7 +60,7 @@
         <a:cs typeface="+mn-cs"/>
       </a:defRPr>
     </a:lvl5pPr>
-    <a:lvl6pPr marL="2286000" algn="l" defTabSz="914400">
+    <a:lvl6pPr marL="2286000" algn="l" defTabSz="457200">
       <a:defRPr sz="1800">
         <a:solidFill>
           <a:schemeClr val="tx1"/>
@@ -70,7 +70,7 @@
         <a:cs typeface="+mn-cs"/>
       </a:defRPr>
     </a:lvl6pPr>
-    <a:lvl7pPr marL="2743200" algn="l" defTabSz="914400">
+    <a:lvl7pPr marL="2743200" algn="l" defTabSz="457200">
       <a:defRPr sz="1800">
         <a:solidFill>
           <a:schemeClr val="tx1"/>
@@ -80,7 +80,7 @@
         <a:cs typeface="+mn-cs"/>
       </a:defRPr>
     </a:lvl7pPr>
-    <a:lvl8pPr marL="3200400" algn="l" defTabSz="914400">
+    <a:lvl8pPr marL="3200400" algn="l" defTabSz="457200">
       <a:defRPr sz="1800">
         <a:solidFill>
           <a:schemeClr val="tx1"/>
@@ -90,7 +90,7 @@
         <a:cs typeface="+mn-cs"/>
       </a:defRPr>
     </a:lvl8pPr>
-    <a:lvl9pPr marL="3657600" algn="l" defTabSz="914400">
+    <a:lvl9pPr marL="3657600" algn="l" defTabSz="457200">
       <a:defRPr sz="1800">
         <a:solidFill>
           <a:schemeClr val="tx1"/>
@@ -105,8 +105,17 @@
 </file>
 
 <file path=ppt/slideLayouts/slideLayout1.xml><?xml version="1.0" encoding="utf-8"?>
-<p:sldLayout xmlns:a="http://schemas.openxmlformats.org/drawingml/2006/main" xmlns:r="http://schemas.openxmlformats.org/officeDocument/2006/relationships" xmlns:p="http://schemas.openxmlformats.org/presentationml/2006/main" xmlns:m="http://schemas.openxmlformats.org/officeDocument/2006/math" xmlns:w="http://schemas.openxmlformats.org/wordprocessingml/2006/main" matchingName="" preserve="1" showMasterPhAnim="0" type="title" userDrawn="1">
-  <p:cSld name="Title Slide">
+<p:sldLayout xmlns:a="http://schemas.openxmlformats.org/drawingml/2006/main" xmlns:r="http://schemas.openxmlformats.org/officeDocument/2006/relationships" xmlns:p="http://schemas.openxmlformats.org/presentationml/2006/main" xmlns:m="http://schemas.openxmlformats.org/officeDocument/2006/math" xmlns:w="http://schemas.openxmlformats.org/wordprocessingml/2006/main" matchingName="" preserve="1" showMasterPhAnim="0" showMasterSp="0" type="title" userDrawn="1">
+  <p:cSld name="Титульный слайд">
+    <p:bg>
+      <p:bgPr shadeToTitle="0">
+        <a:solidFill>
+          <a:schemeClr val="bg2">
+            <a:lumMod val="75000"/>
+          </a:schemeClr>
+        </a:solidFill>
+      </p:bgPr>
+    </p:bg>
     <p:spTree>
       <p:nvGrpSpPr>
         <p:cNvPr id="1" name=""/>
@@ -123,7 +132,7 @@
       </p:grpSpPr>
       <p:sp>
         <p:nvSpPr>
-          <p:cNvPr id="2" name="Title 1"/>
+          <p:cNvPr id="2" name="Заголовок 1"/>
           <p:cNvSpPr>
             <a:spLocks noGrp="1"/>
           </p:cNvSpPr>
@@ -133,15 +142,24 @@
         </p:nvSpPr>
         <p:spPr bwMode="auto">
           <a:xfrm>
-            <a:off x="685800" y="1122363"/>
-            <a:ext cx="7772400" cy="2387600"/>
+            <a:off x="1261872" y="758952"/>
+            <a:ext cx="9418320" cy="4041648"/>
           </a:xfrm>
         </p:spPr>
         <p:txBody>
-          <a:bodyPr anchor="b"/>
+          <a:bodyPr rtlCol="0" anchor="b">
+            <a:normAutofit/>
+          </a:bodyPr>
           <a:lstStyle>
-            <a:lvl1pPr algn="ctr">
-              <a:defRPr sz="6000"/>
+            <a:lvl1pPr algn="l">
+              <a:lnSpc>
+                <a:spcPct val="85000"/>
+              </a:lnSpc>
+              <a:defRPr sz="7200">
+                <a:solidFill>
+                  <a:schemeClr val="tx1"/>
+                </a:solidFill>
+              </a:defRPr>
             </a:lvl1pPr>
           </a:lstStyle>
           <a:p>
@@ -149,16 +167,16 @@
               <a:defRPr/>
             </a:pPr>
             <a:r>
-              <a:rPr lang="en-US"/>
-              <a:t>Click to edit Master title style</a:t>
-            </a:r>
-            <a:endParaRPr lang="en-US"/>
-          </a:p>
-        </p:txBody>
-      </p:sp>
-      <p:sp>
-        <p:nvSpPr>
-          <p:cNvPr id="3" name="Subtitle 2"/>
+              <a:rPr lang="ru-RU"/>
+              <a:t>Образец заголовка</a:t>
+            </a:r>
+            <a:endParaRPr/>
+          </a:p>
+        </p:txBody>
+      </p:sp>
+      <p:sp>
+        <p:nvSpPr>
+          <p:cNvPr id="3" name="Подзаголовок 2"/>
           <p:cNvSpPr>
             <a:spLocks noGrp="1"/>
           </p:cNvSpPr>
@@ -168,48 +186,56 @@
         </p:nvSpPr>
         <p:spPr bwMode="auto">
           <a:xfrm>
-            <a:off x="1143000" y="3602038"/>
-            <a:ext cx="6858000" cy="1655762"/>
+            <a:off x="1261872" y="4800600"/>
+            <a:ext cx="9418320" cy="1691640"/>
           </a:xfrm>
         </p:spPr>
         <p:txBody>
-          <a:bodyPr/>
+          <a:bodyPr rtlCol="0">
+            <a:normAutofit/>
+          </a:bodyPr>
           <a:lstStyle>
-            <a:lvl1pPr marL="0" indent="0" algn="ctr">
-              <a:buNone/>
-              <a:defRPr sz="2400"/>
+            <a:lvl1pPr marL="0" indent="0" algn="l">
+              <a:buNone/>
+              <a:defRPr sz="2200">
+                <a:solidFill>
+                  <a:schemeClr val="tx1">
+                    <a:lumMod val="75000"/>
+                  </a:schemeClr>
+                </a:solidFill>
+              </a:defRPr>
             </a:lvl1pPr>
             <a:lvl2pPr marL="457200" indent="0" algn="ctr">
               <a:buNone/>
-              <a:defRPr sz="2000"/>
+              <a:defRPr sz="2200"/>
             </a:lvl2pPr>
             <a:lvl3pPr marL="914400" indent="0" algn="ctr">
               <a:buNone/>
-              <a:defRPr sz="1800"/>
+              <a:defRPr sz="2200"/>
             </a:lvl3pPr>
             <a:lvl4pPr marL="1371600" indent="0" algn="ctr">
               <a:buNone/>
-              <a:defRPr sz="1600"/>
+              <a:defRPr sz="2000"/>
             </a:lvl4pPr>
             <a:lvl5pPr marL="1828800" indent="0" algn="ctr">
               <a:buNone/>
-              <a:defRPr sz="1600"/>
+              <a:defRPr sz="2000"/>
             </a:lvl5pPr>
             <a:lvl6pPr marL="2286000" indent="0" algn="ctr">
               <a:buNone/>
-              <a:defRPr sz="1600"/>
+              <a:defRPr sz="2000"/>
             </a:lvl6pPr>
             <a:lvl7pPr marL="2743200" indent="0" algn="ctr">
               <a:buNone/>
-              <a:defRPr sz="1600"/>
+              <a:defRPr sz="2000"/>
             </a:lvl7pPr>
             <a:lvl8pPr marL="3200400" indent="0" algn="ctr">
               <a:buNone/>
-              <a:defRPr sz="1600"/>
+              <a:defRPr sz="2000"/>
             </a:lvl8pPr>
             <a:lvl9pPr marL="3657600" indent="0" algn="ctr">
               <a:buNone/>
-              <a:defRPr sz="1600"/>
+              <a:defRPr sz="2000"/>
             </a:lvl9pPr>
           </a:lstStyle>
           <a:p>
@@ -217,16 +243,16 @@
               <a:defRPr/>
             </a:pPr>
             <a:r>
-              <a:rPr lang="en-US"/>
-              <a:t>Click to edit Master subtitle style</a:t>
-            </a:r>
-            <a:endParaRPr lang="en-US"/>
-          </a:p>
-        </p:txBody>
-      </p:sp>
-      <p:sp>
-        <p:nvSpPr>
-          <p:cNvPr id="4" name="Date Placeholder 3"/>
+              <a:rPr lang="ru-RU"/>
+              <a:t>Образец подзаголовка</a:t>
+            </a:r>
+            <a:endParaRPr/>
+          </a:p>
+        </p:txBody>
+      </p:sp>
+      <p:sp>
+        <p:nvSpPr>
+          <p:cNvPr id="4" name="Дата 3"/>
           <p:cNvSpPr>
             <a:spLocks noGrp="1"/>
           </p:cNvSpPr>
@@ -236,23 +262,33 @@
         </p:nvSpPr>
         <p:spPr bwMode="auto"/>
         <p:txBody>
-          <a:bodyPr/>
-          <a:lstStyle/>
-          <a:p>
-            <a:pPr>
-              <a:defRPr/>
-            </a:pPr>
-            <a:fld id="{1DBD9794-A4CC-42D0-9A65-24C6B9EF4076}" type="datetimeFigureOut">
-              <a:rPr lang="en-US"/>
+          <a:bodyPr rtlCol="0"/>
+          <a:lstStyle>
+            <a:lvl1pPr>
+              <a:defRPr>
+                <a:solidFill>
+                  <a:schemeClr val="tx1">
+                    <a:lumMod val="50000"/>
+                  </a:schemeClr>
+                </a:solidFill>
+              </a:defRPr>
+            </a:lvl1pPr>
+          </a:lstStyle>
+          <a:p>
+            <a:pPr>
+              <a:defRPr/>
+            </a:pPr>
+            <a:fld id="{1E0B5F0F-3A42-494A-8C22-C18A8EAE06D7}" type="datetime1">
+              <a:rPr lang="ru-RU"/>
               <a:t/>
             </a:fld>
-            <a:endParaRPr lang="en-US"/>
-          </a:p>
-        </p:txBody>
-      </p:sp>
-      <p:sp>
-        <p:nvSpPr>
-          <p:cNvPr id="5" name="Footer Placeholder 4"/>
+            <a:endParaRPr lang="ru-RU"/>
+          </a:p>
+        </p:txBody>
+      </p:sp>
+      <p:sp>
+        <p:nvSpPr>
+          <p:cNvPr id="5" name="Нижний колонтитул 4"/>
           <p:cNvSpPr>
             <a:spLocks noGrp="1"/>
           </p:cNvSpPr>
@@ -262,19 +298,29 @@
         </p:nvSpPr>
         <p:spPr bwMode="auto"/>
         <p:txBody>
-          <a:bodyPr/>
-          <a:lstStyle/>
-          <a:p>
-            <a:pPr>
-              <a:defRPr/>
-            </a:pPr>
-            <a:endParaRPr lang="en-US"/>
-          </a:p>
-        </p:txBody>
-      </p:sp>
-      <p:sp>
-        <p:nvSpPr>
-          <p:cNvPr id="6" name="Slide Number Placeholder 5"/>
+          <a:bodyPr rtlCol="0"/>
+          <a:lstStyle>
+            <a:lvl1pPr>
+              <a:defRPr>
+                <a:solidFill>
+                  <a:schemeClr val="tx1">
+                    <a:lumMod val="65000"/>
+                  </a:schemeClr>
+                </a:solidFill>
+              </a:defRPr>
+            </a:lvl1pPr>
+          </a:lstStyle>
+          <a:p>
+            <a:pPr>
+              <a:defRPr/>
+            </a:pPr>
+            <a:endParaRPr lang="ru-RU"/>
+          </a:p>
+        </p:txBody>
+      </p:sp>
+      <p:sp>
+        <p:nvSpPr>
+          <p:cNvPr id="6" name="Номер слайда 5"/>
           <p:cNvSpPr>
             <a:spLocks noGrp="1"/>
           </p:cNvSpPr>
@@ -284,31 +330,79 @@
         </p:nvSpPr>
         <p:spPr bwMode="auto"/>
         <p:txBody>
-          <a:bodyPr/>
-          <a:lstStyle/>
-          <a:p>
-            <a:pPr>
-              <a:defRPr/>
-            </a:pPr>
-            <a:fld id="{1FE8DF1E-33BB-4377-9A26-35481BA06C7C}" type="slidenum">
-              <a:rPr lang="en-US"/>
+          <a:bodyPr rtlCol="0"/>
+          <a:lstStyle>
+            <a:lvl1pPr>
+              <a:defRPr>
+                <a:solidFill>
+                  <a:schemeClr val="tx1">
+                    <a:lumMod val="65000"/>
+                  </a:schemeClr>
+                </a:solidFill>
+              </a:defRPr>
+            </a:lvl1pPr>
+          </a:lstStyle>
+          <a:p>
+            <a:pPr>
+              <a:defRPr/>
+            </a:pPr>
+            <a:fld id="{4FAB73BC-B049-4115-A692-8D63A059BFB8}" type="slidenum">
+              <a:rPr lang="ru-RU"/>
               <a:t/>
             </a:fld>
-            <a:endParaRPr lang="en-US"/>
-          </a:p>
-        </p:txBody>
+            <a:endParaRPr lang="ru-RU"/>
+          </a:p>
+        </p:txBody>
+      </p:sp>
+      <p:sp>
+        <p:nvSpPr>
+          <p:cNvPr id="7" name="Прямоугольник 6"/>
+          <p:cNvSpPr/>
+          <p:nvPr/>
+        </p:nvSpPr>
+        <p:spPr bwMode="auto">
+          <a:xfrm>
+            <a:off x="0" y="0"/>
+            <a:ext cx="457200" cy="6858000"/>
+          </a:xfrm>
+          <a:prstGeom prst="rect">
+            <a:avLst/>
+          </a:prstGeom>
+          <a:solidFill>
+            <a:schemeClr val="accent1"/>
+          </a:solidFill>
+          <a:ln>
+            <a:noFill/>
+          </a:ln>
+        </p:spPr>
+        <p:style>
+          <a:lnRef idx="2">
+            <a:schemeClr val="accent1">
+              <a:shade val="50000"/>
+            </a:schemeClr>
+          </a:lnRef>
+          <a:fillRef idx="1">
+            <a:schemeClr val="accent1"/>
+          </a:fillRef>
+          <a:effectRef idx="0">
+            <a:schemeClr val="accent1"/>
+          </a:effectRef>
+          <a:fontRef idx="minor">
+            <a:schemeClr val="lt1"/>
+          </a:fontRef>
+        </p:style>
       </p:sp>
     </p:spTree>
   </p:cSld>
   <p:clrMapOvr>
-    <a:masterClrMapping/>
+    <a:overrideClrMapping bg1="dk1" tx1="lt1" bg2="dk2" tx2="lt2" accent1="accent1" accent2="accent2" accent3="accent3" accent4="accent4" accent5="accent5" accent6="accent6" hlink="hlink" folHlink="folHlink"/>
   </p:clrMapOvr>
 </p:sldLayout>
 </file>
 
 <file path=ppt/slideLayouts/slideLayout10.xml><?xml version="1.0" encoding="utf-8"?>
 <p:sldLayout xmlns:a="http://schemas.openxmlformats.org/drawingml/2006/main" xmlns:r="http://schemas.openxmlformats.org/officeDocument/2006/relationships" xmlns:p="http://schemas.openxmlformats.org/presentationml/2006/main" xmlns:m="http://schemas.openxmlformats.org/officeDocument/2006/math" xmlns:w="http://schemas.openxmlformats.org/wordprocessingml/2006/main" matchingName="" preserve="1" showMasterPhAnim="0" type="vertTx" userDrawn="1">
-  <p:cSld name="Title and Vertical Text">
+  <p:cSld name="Заголовок и вертикальный текст">
     <p:spTree>
       <p:nvGrpSpPr>
         <p:cNvPr id="1" name=""/>
@@ -325,7 +419,7 @@
       </p:grpSpPr>
       <p:sp>
         <p:nvSpPr>
-          <p:cNvPr id="2" name="Title 1"/>
+          <p:cNvPr id="2" name="Заголовок 1"/>
           <p:cNvSpPr>
             <a:spLocks noGrp="1"/>
           </p:cNvSpPr>
@@ -335,41 +429,41 @@
         </p:nvSpPr>
         <p:spPr bwMode="auto"/>
         <p:txBody>
-          <a:bodyPr/>
+          <a:bodyPr rtlCol="0"/>
           <a:lstStyle/>
           <a:p>
             <a:pPr>
               <a:defRPr/>
             </a:pPr>
             <a:r>
-              <a:rPr lang="en-US"/>
-              <a:t>Click to edit Master title style</a:t>
-            </a:r>
-            <a:endParaRPr lang="en-US"/>
-          </a:p>
-        </p:txBody>
-      </p:sp>
-      <p:sp>
-        <p:nvSpPr>
-          <p:cNvPr id="3" name="Vertical Text Placeholder 2"/>
-          <p:cNvSpPr>
-            <a:spLocks noGrp="1"/>
-          </p:cNvSpPr>
-          <p:nvPr>
-            <p:ph type="body" orient="vert" idx="1"/>
+              <a:rPr lang="ru-RU"/>
+              <a:t>Образец заголовка</a:t>
+            </a:r>
+            <a:endParaRPr/>
+          </a:p>
+        </p:txBody>
+      </p:sp>
+      <p:sp>
+        <p:nvSpPr>
+          <p:cNvPr id="3" name="Вертикальный текст 2"/>
+          <p:cNvSpPr>
+            <a:spLocks noGrp="1"/>
+          </p:cNvSpPr>
+          <p:nvPr>
+            <p:ph type="body" orient="vert" idx="1" hasCustomPrompt="1"/>
           </p:nvPr>
         </p:nvSpPr>
         <p:spPr bwMode="auto"/>
         <p:txBody>
-          <a:bodyPr vert="eaVert"/>
+          <a:bodyPr vert="eaVert" rtlCol="0"/>
           <a:lstStyle/>
           <a:p>
             <a:pPr lvl="0">
               <a:defRPr/>
             </a:pPr>
             <a:r>
-              <a:rPr lang="en-US"/>
-              <a:t>Click to edit Master text styles</a:t>
+              <a:rPr lang="ru-RU"/>
+              <a:t>Щелкните, чтобы изменить стили текста образца слайда</a:t>
             </a:r>
             <a:endParaRPr/>
           </a:p>
@@ -378,8 +472,8 @@
               <a:defRPr/>
             </a:pPr>
             <a:r>
-              <a:rPr lang="en-US"/>
-              <a:t>Second level</a:t>
+              <a:rPr lang="ru-RU"/>
+              <a:t>Второй уровень</a:t>
             </a:r>
             <a:endParaRPr/>
           </a:p>
@@ -388,8 +482,8 @@
               <a:defRPr/>
             </a:pPr>
             <a:r>
-              <a:rPr lang="en-US"/>
-              <a:t>Third level</a:t>
+              <a:rPr lang="ru-RU"/>
+              <a:t>Третий уровень</a:t>
             </a:r>
             <a:endParaRPr/>
           </a:p>
@@ -398,8 +492,8 @@
               <a:defRPr/>
             </a:pPr>
             <a:r>
-              <a:rPr lang="en-US"/>
-              <a:t>Fourth level</a:t>
+              <a:rPr lang="ru-RU"/>
+              <a:t>Четвертый уровень</a:t>
             </a:r>
             <a:endParaRPr/>
           </a:p>
@@ -408,16 +502,16 @@
               <a:defRPr/>
             </a:pPr>
             <a:r>
-              <a:rPr lang="en-US"/>
-              <a:t>Fifth level</a:t>
-            </a:r>
-            <a:endParaRPr lang="en-US"/>
-          </a:p>
-        </p:txBody>
-      </p:sp>
-      <p:sp>
-        <p:nvSpPr>
-          <p:cNvPr id="4" name="Date Placeholder 3"/>
+              <a:rPr lang="ru-RU"/>
+              <a:t>Пятый уровень</a:t>
+            </a:r>
+            <a:endParaRPr/>
+          </a:p>
+        </p:txBody>
+      </p:sp>
+      <p:sp>
+        <p:nvSpPr>
+          <p:cNvPr id="4" name="Дата 3"/>
           <p:cNvSpPr>
             <a:spLocks noGrp="1"/>
           </p:cNvSpPr>
@@ -427,23 +521,23 @@
         </p:nvSpPr>
         <p:spPr bwMode="auto"/>
         <p:txBody>
-          <a:bodyPr/>
+          <a:bodyPr rtlCol="0"/>
           <a:lstStyle/>
           <a:p>
             <a:pPr>
               <a:defRPr/>
             </a:pPr>
-            <a:fld id="{1DBD9794-A4CC-42D0-9A65-24C6B9EF4076}" type="datetimeFigureOut">
-              <a:rPr lang="en-US"/>
+            <a:fld id="{FC1DA459-704B-40E1-AD01-072DDB596BB7}" type="datetime1">
+              <a:rPr lang="ru-RU"/>
               <a:t/>
             </a:fld>
-            <a:endParaRPr lang="en-US"/>
-          </a:p>
-        </p:txBody>
-      </p:sp>
-      <p:sp>
-        <p:nvSpPr>
-          <p:cNvPr id="5" name="Footer Placeholder 4"/>
+            <a:endParaRPr lang="ru-RU"/>
+          </a:p>
+        </p:txBody>
+      </p:sp>
+      <p:sp>
+        <p:nvSpPr>
+          <p:cNvPr id="5" name="Нижний колонтитул 4"/>
           <p:cNvSpPr>
             <a:spLocks noGrp="1"/>
           </p:cNvSpPr>
@@ -453,19 +547,19 @@
         </p:nvSpPr>
         <p:spPr bwMode="auto"/>
         <p:txBody>
-          <a:bodyPr/>
+          <a:bodyPr rtlCol="0"/>
           <a:lstStyle/>
           <a:p>
             <a:pPr>
               <a:defRPr/>
             </a:pPr>
-            <a:endParaRPr lang="en-US"/>
-          </a:p>
-        </p:txBody>
-      </p:sp>
-      <p:sp>
-        <p:nvSpPr>
-          <p:cNvPr id="6" name="Slide Number Placeholder 5"/>
+            <a:endParaRPr lang="ru-RU"/>
+          </a:p>
+        </p:txBody>
+      </p:sp>
+      <p:sp>
+        <p:nvSpPr>
+          <p:cNvPr id="6" name="Номер слайда 5"/>
           <p:cNvSpPr>
             <a:spLocks noGrp="1"/>
           </p:cNvSpPr>
@@ -475,17 +569,17 @@
         </p:nvSpPr>
         <p:spPr bwMode="auto"/>
         <p:txBody>
-          <a:bodyPr/>
+          <a:bodyPr rtlCol="0"/>
           <a:lstStyle/>
           <a:p>
             <a:pPr>
               <a:defRPr/>
             </a:pPr>
-            <a:fld id="{1FE8DF1E-33BB-4377-9A26-35481BA06C7C}" type="slidenum">
-              <a:rPr lang="en-US"/>
+            <a:fld id="{4FAB73BC-B049-4115-A692-8D63A059BFB8}" type="slidenum">
+              <a:rPr lang="ru-RU"/>
               <a:t/>
             </a:fld>
-            <a:endParaRPr lang="en-US"/>
+            <a:endParaRPr lang="ru-RU"/>
           </a:p>
         </p:txBody>
       </p:sp>
@@ -499,7 +593,7 @@
 
 <file path=ppt/slideLayouts/slideLayout11.xml><?xml version="1.0" encoding="utf-8"?>
 <p:sldLayout xmlns:a="http://schemas.openxmlformats.org/drawingml/2006/main" xmlns:r="http://schemas.openxmlformats.org/officeDocument/2006/relationships" xmlns:p="http://schemas.openxmlformats.org/presentationml/2006/main" xmlns:m="http://schemas.openxmlformats.org/officeDocument/2006/math" xmlns:w="http://schemas.openxmlformats.org/wordprocessingml/2006/main" matchingName="" preserve="1" showMasterPhAnim="0" type="vertTitleAndTx" userDrawn="1">
-  <p:cSld name="Vertical Title and Text">
+  <p:cSld name="Вертикальный заголовок и текст">
     <p:spTree>
       <p:nvGrpSpPr>
         <p:cNvPr id="1" name=""/>
@@ -516,7 +610,7 @@
       </p:grpSpPr>
       <p:sp>
         <p:nvSpPr>
-          <p:cNvPr id="2" name="Vertical Title 1"/>
+          <p:cNvPr id="2" name="Вертикальный заголовок 1"/>
           <p:cNvSpPr>
             <a:spLocks noGrp="1"/>
           </p:cNvSpPr>
@@ -526,51 +620,51 @@
         </p:nvSpPr>
         <p:spPr bwMode="auto">
           <a:xfrm>
-            <a:off x="6543676" y="365125"/>
-            <a:ext cx="1971675" cy="5811838"/>
+            <a:off x="8648700" y="381000"/>
+            <a:ext cx="2476500" cy="5897562"/>
           </a:xfrm>
         </p:spPr>
         <p:txBody>
-          <a:bodyPr vert="eaVert"/>
+          <a:bodyPr vert="eaVert" rtlCol="0"/>
           <a:lstStyle/>
           <a:p>
             <a:pPr>
               <a:defRPr/>
             </a:pPr>
             <a:r>
-              <a:rPr lang="en-US"/>
-              <a:t>Click to edit Master title style</a:t>
-            </a:r>
-            <a:endParaRPr lang="en-US"/>
-          </a:p>
-        </p:txBody>
-      </p:sp>
-      <p:sp>
-        <p:nvSpPr>
-          <p:cNvPr id="3" name="Vertical Text Placeholder 2"/>
-          <p:cNvSpPr>
-            <a:spLocks noGrp="1"/>
-          </p:cNvSpPr>
-          <p:nvPr>
-            <p:ph type="body" orient="vert" idx="1"/>
+              <a:rPr lang="ru-RU"/>
+              <a:t>Образец заголовка</a:t>
+            </a:r>
+            <a:endParaRPr/>
+          </a:p>
+        </p:txBody>
+      </p:sp>
+      <p:sp>
+        <p:nvSpPr>
+          <p:cNvPr id="3" name="Вертикальный текст 2"/>
+          <p:cNvSpPr>
+            <a:spLocks noGrp="1"/>
+          </p:cNvSpPr>
+          <p:nvPr>
+            <p:ph type="body" orient="vert" idx="1" hasCustomPrompt="1"/>
           </p:nvPr>
         </p:nvSpPr>
         <p:spPr bwMode="auto">
           <a:xfrm>
-            <a:off x="628650" y="365125"/>
-            <a:ext cx="5800725" cy="5811838"/>
+            <a:off x="762000" y="381000"/>
+            <a:ext cx="7734300" cy="5897562"/>
           </a:xfrm>
         </p:spPr>
         <p:txBody>
-          <a:bodyPr vert="eaVert"/>
+          <a:bodyPr vert="eaVert" rtlCol="0"/>
           <a:lstStyle/>
           <a:p>
             <a:pPr lvl="0">
               <a:defRPr/>
             </a:pPr>
             <a:r>
-              <a:rPr lang="en-US"/>
-              <a:t>Click to edit Master text styles</a:t>
+              <a:rPr lang="ru-RU"/>
+              <a:t>Щелкните, чтобы изменить стили текста образца слайда</a:t>
             </a:r>
             <a:endParaRPr/>
           </a:p>
@@ -579,8 +673,8 @@
               <a:defRPr/>
             </a:pPr>
             <a:r>
-              <a:rPr lang="en-US"/>
-              <a:t>Second level</a:t>
+              <a:rPr lang="ru-RU"/>
+              <a:t>Второй уровень</a:t>
             </a:r>
             <a:endParaRPr/>
           </a:p>
@@ -589,8 +683,8 @@
               <a:defRPr/>
             </a:pPr>
             <a:r>
-              <a:rPr lang="en-US"/>
-              <a:t>Third level</a:t>
+              <a:rPr lang="ru-RU"/>
+              <a:t>Третий уровень</a:t>
             </a:r>
             <a:endParaRPr/>
           </a:p>
@@ -599,8 +693,8 @@
               <a:defRPr/>
             </a:pPr>
             <a:r>
-              <a:rPr lang="en-US"/>
-              <a:t>Fourth level</a:t>
+              <a:rPr lang="ru-RU"/>
+              <a:t>Четвертый уровень</a:t>
             </a:r>
             <a:endParaRPr/>
           </a:p>
@@ -609,16 +703,16 @@
               <a:defRPr/>
             </a:pPr>
             <a:r>
-              <a:rPr lang="en-US"/>
-              <a:t>Fifth level</a:t>
-            </a:r>
-            <a:endParaRPr lang="en-US"/>
-          </a:p>
-        </p:txBody>
-      </p:sp>
-      <p:sp>
-        <p:nvSpPr>
-          <p:cNvPr id="4" name="Date Placeholder 3"/>
+              <a:rPr lang="ru-RU"/>
+              <a:t>Пятый уровень</a:t>
+            </a:r>
+            <a:endParaRPr/>
+          </a:p>
+        </p:txBody>
+      </p:sp>
+      <p:sp>
+        <p:nvSpPr>
+          <p:cNvPr id="4" name="Дата 3"/>
           <p:cNvSpPr>
             <a:spLocks noGrp="1"/>
           </p:cNvSpPr>
@@ -628,23 +722,23 @@
         </p:nvSpPr>
         <p:spPr bwMode="auto"/>
         <p:txBody>
-          <a:bodyPr/>
+          <a:bodyPr rtlCol="0"/>
           <a:lstStyle/>
           <a:p>
             <a:pPr>
               <a:defRPr/>
             </a:pPr>
-            <a:fld id="{1DBD9794-A4CC-42D0-9A65-24C6B9EF4076}" type="datetimeFigureOut">
-              <a:rPr lang="en-US"/>
+            <a:fld id="{6D6B8660-9824-44AB-8B5D-553169A84577}" type="datetime1">
+              <a:rPr lang="ru-RU"/>
               <a:t/>
             </a:fld>
-            <a:endParaRPr lang="en-US"/>
-          </a:p>
-        </p:txBody>
-      </p:sp>
-      <p:sp>
-        <p:nvSpPr>
-          <p:cNvPr id="5" name="Footer Placeholder 4"/>
+            <a:endParaRPr lang="ru-RU"/>
+          </a:p>
+        </p:txBody>
+      </p:sp>
+      <p:sp>
+        <p:nvSpPr>
+          <p:cNvPr id="5" name="Нижний колонтитул 4"/>
           <p:cNvSpPr>
             <a:spLocks noGrp="1"/>
           </p:cNvSpPr>
@@ -654,19 +748,19 @@
         </p:nvSpPr>
         <p:spPr bwMode="auto"/>
         <p:txBody>
-          <a:bodyPr/>
+          <a:bodyPr rtlCol="0"/>
           <a:lstStyle/>
           <a:p>
             <a:pPr>
               <a:defRPr/>
             </a:pPr>
-            <a:endParaRPr lang="en-US"/>
-          </a:p>
-        </p:txBody>
-      </p:sp>
-      <p:sp>
-        <p:nvSpPr>
-          <p:cNvPr id="6" name="Slide Number Placeholder 5"/>
+            <a:endParaRPr lang="ru-RU"/>
+          </a:p>
+        </p:txBody>
+      </p:sp>
+      <p:sp>
+        <p:nvSpPr>
+          <p:cNvPr id="6" name="Номер слайда 5"/>
           <p:cNvSpPr>
             <a:spLocks noGrp="1"/>
           </p:cNvSpPr>
@@ -676,17 +770,17 @@
         </p:nvSpPr>
         <p:spPr bwMode="auto"/>
         <p:txBody>
-          <a:bodyPr/>
+          <a:bodyPr rtlCol="0"/>
           <a:lstStyle/>
           <a:p>
             <a:pPr>
               <a:defRPr/>
             </a:pPr>
-            <a:fld id="{1FE8DF1E-33BB-4377-9A26-35481BA06C7C}" type="slidenum">
-              <a:rPr lang="en-US"/>
+            <a:fld id="{4FAB73BC-B049-4115-A692-8D63A059BFB8}" type="slidenum">
+              <a:rPr lang="ru-RU"/>
               <a:t/>
             </a:fld>
-            <a:endParaRPr lang="en-US"/>
+            <a:endParaRPr lang="ru-RU"/>
           </a:p>
         </p:txBody>
       </p:sp>
@@ -700,7 +794,7 @@
 
 <file path=ppt/slideLayouts/slideLayout2.xml><?xml version="1.0" encoding="utf-8"?>
 <p:sldLayout xmlns:a="http://schemas.openxmlformats.org/drawingml/2006/main" xmlns:r="http://schemas.openxmlformats.org/officeDocument/2006/relationships" xmlns:p="http://schemas.openxmlformats.org/presentationml/2006/main" xmlns:m="http://schemas.openxmlformats.org/officeDocument/2006/math" xmlns:w="http://schemas.openxmlformats.org/wordprocessingml/2006/main" matchingName="" preserve="1" showMasterPhAnim="0" type="obj" userDrawn="1">
-  <p:cSld name="Title and Content">
+  <p:cSld name="Заголовок и объект">
     <p:spTree>
       <p:nvGrpSpPr>
         <p:cNvPr id="1" name=""/>
@@ -717,7 +811,7 @@
       </p:grpSpPr>
       <p:sp>
         <p:nvSpPr>
-          <p:cNvPr id="2" name="Title 1"/>
+          <p:cNvPr id="2" name="Заголовок 1"/>
           <p:cNvSpPr>
             <a:spLocks noGrp="1"/>
           </p:cNvSpPr>
@@ -727,41 +821,41 @@
         </p:nvSpPr>
         <p:spPr bwMode="auto"/>
         <p:txBody>
-          <a:bodyPr/>
+          <a:bodyPr rtlCol="0"/>
           <a:lstStyle/>
           <a:p>
             <a:pPr>
               <a:defRPr/>
             </a:pPr>
             <a:r>
-              <a:rPr lang="en-US"/>
-              <a:t>Click to edit Master title style</a:t>
-            </a:r>
-            <a:endParaRPr lang="en-US"/>
-          </a:p>
-        </p:txBody>
-      </p:sp>
-      <p:sp>
-        <p:nvSpPr>
-          <p:cNvPr id="3" name="Content Placeholder 2"/>
-          <p:cNvSpPr>
-            <a:spLocks noGrp="1"/>
-          </p:cNvSpPr>
-          <p:nvPr>
-            <p:ph idx="1"/>
+              <a:rPr lang="ru-RU"/>
+              <a:t>Образец заголовка</a:t>
+            </a:r>
+            <a:endParaRPr/>
+          </a:p>
+        </p:txBody>
+      </p:sp>
+      <p:sp>
+        <p:nvSpPr>
+          <p:cNvPr id="3" name="Объект 2"/>
+          <p:cNvSpPr>
+            <a:spLocks noGrp="1"/>
+          </p:cNvSpPr>
+          <p:nvPr>
+            <p:ph idx="1" hasCustomPrompt="1"/>
           </p:nvPr>
         </p:nvSpPr>
         <p:spPr bwMode="auto"/>
         <p:txBody>
-          <a:bodyPr/>
+          <a:bodyPr rtlCol="0"/>
           <a:lstStyle/>
           <a:p>
             <a:pPr lvl="0">
               <a:defRPr/>
             </a:pPr>
             <a:r>
-              <a:rPr lang="en-US"/>
-              <a:t>Click to edit Master text styles</a:t>
+              <a:rPr lang="ru-RU"/>
+              <a:t>Щелкните, чтобы изменить стили текста образца слайда</a:t>
             </a:r>
             <a:endParaRPr/>
           </a:p>
@@ -770,8 +864,8 @@
               <a:defRPr/>
             </a:pPr>
             <a:r>
-              <a:rPr lang="en-US"/>
-              <a:t>Second level</a:t>
+              <a:rPr lang="ru-RU"/>
+              <a:t>Второй уровень</a:t>
             </a:r>
             <a:endParaRPr/>
           </a:p>
@@ -780,8 +874,8 @@
               <a:defRPr/>
             </a:pPr>
             <a:r>
-              <a:rPr lang="en-US"/>
-              <a:t>Third level</a:t>
+              <a:rPr lang="ru-RU"/>
+              <a:t>Третий уровень</a:t>
             </a:r>
             <a:endParaRPr/>
           </a:p>
@@ -790,8 +884,8 @@
               <a:defRPr/>
             </a:pPr>
             <a:r>
-              <a:rPr lang="en-US"/>
-              <a:t>Fourth level</a:t>
+              <a:rPr lang="ru-RU"/>
+              <a:t>Четвертый уровень</a:t>
             </a:r>
             <a:endParaRPr/>
           </a:p>
@@ -800,16 +894,16 @@
               <a:defRPr/>
             </a:pPr>
             <a:r>
-              <a:rPr lang="en-US"/>
-              <a:t>Fifth level</a:t>
-            </a:r>
-            <a:endParaRPr lang="en-US"/>
-          </a:p>
-        </p:txBody>
-      </p:sp>
-      <p:sp>
-        <p:nvSpPr>
-          <p:cNvPr id="4" name="Date Placeholder 3"/>
+              <a:rPr lang="ru-RU"/>
+              <a:t>Пятый уровень</a:t>
+            </a:r>
+            <a:endParaRPr/>
+          </a:p>
+        </p:txBody>
+      </p:sp>
+      <p:sp>
+        <p:nvSpPr>
+          <p:cNvPr id="4" name="Дата 3"/>
           <p:cNvSpPr>
             <a:spLocks noGrp="1"/>
           </p:cNvSpPr>
@@ -819,23 +913,23 @@
         </p:nvSpPr>
         <p:spPr bwMode="auto"/>
         <p:txBody>
-          <a:bodyPr/>
+          <a:bodyPr rtlCol="0"/>
           <a:lstStyle/>
           <a:p>
             <a:pPr>
               <a:defRPr/>
             </a:pPr>
-            <a:fld id="{1DBD9794-A4CC-42D0-9A65-24C6B9EF4076}" type="datetimeFigureOut">
-              <a:rPr lang="en-US"/>
+            <a:fld id="{894E3A2C-AB9E-4AA3-89AF-EFDD7C830C60}" type="datetime1">
+              <a:rPr lang="ru-RU"/>
               <a:t/>
             </a:fld>
-            <a:endParaRPr lang="en-US"/>
-          </a:p>
-        </p:txBody>
-      </p:sp>
-      <p:sp>
-        <p:nvSpPr>
-          <p:cNvPr id="5" name="Footer Placeholder 4"/>
+            <a:endParaRPr lang="ru-RU"/>
+          </a:p>
+        </p:txBody>
+      </p:sp>
+      <p:sp>
+        <p:nvSpPr>
+          <p:cNvPr id="5" name="Нижний колонтитул 4"/>
           <p:cNvSpPr>
             <a:spLocks noGrp="1"/>
           </p:cNvSpPr>
@@ -845,19 +939,19 @@
         </p:nvSpPr>
         <p:spPr bwMode="auto"/>
         <p:txBody>
-          <a:bodyPr/>
+          <a:bodyPr rtlCol="0"/>
           <a:lstStyle/>
           <a:p>
             <a:pPr>
               <a:defRPr/>
             </a:pPr>
-            <a:endParaRPr lang="en-US"/>
-          </a:p>
-        </p:txBody>
-      </p:sp>
-      <p:sp>
-        <p:nvSpPr>
-          <p:cNvPr id="6" name="Slide Number Placeholder 5"/>
+            <a:endParaRPr lang="ru-RU"/>
+          </a:p>
+        </p:txBody>
+      </p:sp>
+      <p:sp>
+        <p:nvSpPr>
+          <p:cNvPr id="6" name="Номер слайда 5"/>
           <p:cNvSpPr>
             <a:spLocks noGrp="1"/>
           </p:cNvSpPr>
@@ -867,17 +961,17 @@
         </p:nvSpPr>
         <p:spPr bwMode="auto"/>
         <p:txBody>
-          <a:bodyPr/>
+          <a:bodyPr rtlCol="0"/>
           <a:lstStyle/>
           <a:p>
             <a:pPr>
               <a:defRPr/>
             </a:pPr>
-            <a:fld id="{1FE8DF1E-33BB-4377-9A26-35481BA06C7C}" type="slidenum">
-              <a:rPr lang="en-US"/>
+            <a:fld id="{4FAB73BC-B049-4115-A692-8D63A059BFB8}" type="slidenum">
+              <a:rPr lang="ru-RU"/>
               <a:t/>
             </a:fld>
-            <a:endParaRPr lang="en-US"/>
+            <a:endParaRPr lang="ru-RU"/>
           </a:p>
         </p:txBody>
       </p:sp>
@@ -891,7 +985,7 @@
 
 <file path=ppt/slideLayouts/slideLayout3.xml><?xml version="1.0" encoding="utf-8"?>
 <p:sldLayout xmlns:a="http://schemas.openxmlformats.org/drawingml/2006/main" xmlns:r="http://schemas.openxmlformats.org/officeDocument/2006/relationships" xmlns:p="http://schemas.openxmlformats.org/presentationml/2006/main" xmlns:m="http://schemas.openxmlformats.org/officeDocument/2006/math" xmlns:w="http://schemas.openxmlformats.org/wordprocessingml/2006/main" matchingName="" preserve="1" showMasterPhAnim="0" type="secHead" userDrawn="1">
-  <p:cSld name="Section Header">
+  <p:cSld name="Заголовок раздела">
     <p:spTree>
       <p:nvGrpSpPr>
         <p:cNvPr id="1" name=""/>
@@ -908,7 +1002,7 @@
       </p:grpSpPr>
       <p:sp>
         <p:nvSpPr>
-          <p:cNvPr id="2" name="Title 1"/>
+          <p:cNvPr id="2" name="Заголовок 1"/>
           <p:cNvSpPr>
             <a:spLocks noGrp="1"/>
           </p:cNvSpPr>
@@ -918,15 +1012,20 @@
         </p:nvSpPr>
         <p:spPr bwMode="auto">
           <a:xfrm>
-            <a:off x="623888" y="1709741"/>
-            <a:ext cx="7886700" cy="2852737"/>
+            <a:off x="1261872" y="758952"/>
+            <a:ext cx="9418320" cy="4041648"/>
           </a:xfrm>
         </p:spPr>
         <p:txBody>
-          <a:bodyPr anchor="b"/>
+          <a:bodyPr rtlCol="0" anchor="b">
+            <a:normAutofit/>
+          </a:bodyPr>
           <a:lstStyle>
             <a:lvl1pPr>
-              <a:defRPr sz="6000"/>
+              <a:lnSpc>
+                <a:spcPct val="85000"/>
+              </a:lnSpc>
+              <a:defRPr sz="7200" b="0"/>
             </a:lvl1pPr>
           </a:lstStyle>
           <a:p>
@@ -934,43 +1033,48 @@
               <a:defRPr/>
             </a:pPr>
             <a:r>
-              <a:rPr lang="en-US"/>
-              <a:t>Click to edit Master title style</a:t>
-            </a:r>
-            <a:endParaRPr lang="en-US"/>
-          </a:p>
-        </p:txBody>
-      </p:sp>
-      <p:sp>
-        <p:nvSpPr>
-          <p:cNvPr id="3" name="Text Placeholder 2"/>
-          <p:cNvSpPr>
-            <a:spLocks noGrp="1"/>
-          </p:cNvSpPr>
-          <p:nvPr>
-            <p:ph type="body" idx="1"/>
+              <a:rPr lang="ru-RU"/>
+              <a:t>Образец заголовка</a:t>
+            </a:r>
+            <a:endParaRPr/>
+          </a:p>
+        </p:txBody>
+      </p:sp>
+      <p:sp>
+        <p:nvSpPr>
+          <p:cNvPr id="3" name="Текст 2"/>
+          <p:cNvSpPr>
+            <a:spLocks noGrp="1"/>
+          </p:cNvSpPr>
+          <p:nvPr>
+            <p:ph type="body" idx="1" hasCustomPrompt="1"/>
           </p:nvPr>
         </p:nvSpPr>
         <p:spPr bwMode="auto">
           <a:xfrm>
-            <a:off x="623888" y="4589466"/>
-            <a:ext cx="7886700" cy="1500187"/>
+            <a:off x="1261872" y="4800600"/>
+            <a:ext cx="9418320" cy="1691640"/>
           </a:xfrm>
         </p:spPr>
         <p:txBody>
-          <a:bodyPr/>
+          <a:bodyPr rtlCol="0" anchor="t">
+            <a:normAutofit/>
+          </a:bodyPr>
           <a:lstStyle>
             <a:lvl1pPr marL="0" indent="0">
               <a:buNone/>
-              <a:defRPr sz="2400">
+              <a:defRPr sz="2200">
                 <a:solidFill>
-                  <a:schemeClr val="tx1"/>
+                  <a:schemeClr val="tx1">
+                    <a:lumMod val="65000"/>
+                    <a:lumOff val="35000"/>
+                  </a:schemeClr>
                 </a:solidFill>
               </a:defRPr>
             </a:lvl1pPr>
             <a:lvl2pPr marL="457200" indent="0">
               <a:buNone/>
-              <a:defRPr sz="2000">
+              <a:defRPr sz="1800">
                 <a:solidFill>
                   <a:schemeClr val="tx1">
                     <a:tint val="75000"/>
@@ -980,7 +1084,7 @@
             </a:lvl2pPr>
             <a:lvl3pPr marL="914400" indent="0">
               <a:buNone/>
-              <a:defRPr sz="1800">
+              <a:defRPr sz="1600">
                 <a:solidFill>
                   <a:schemeClr val="tx1">
                     <a:tint val="75000"/>
@@ -990,7 +1094,7 @@
             </a:lvl3pPr>
             <a:lvl4pPr marL="1371600" indent="0">
               <a:buNone/>
-              <a:defRPr sz="1600">
+              <a:defRPr sz="1400">
                 <a:solidFill>
                   <a:schemeClr val="tx1">
                     <a:tint val="75000"/>
@@ -1000,7 +1104,7 @@
             </a:lvl4pPr>
             <a:lvl5pPr marL="1828800" indent="0">
               <a:buNone/>
-              <a:defRPr sz="1600">
+              <a:defRPr sz="1400">
                 <a:solidFill>
                   <a:schemeClr val="tx1">
                     <a:tint val="75000"/>
@@ -1010,7 +1114,7 @@
             </a:lvl5pPr>
             <a:lvl6pPr marL="2286000" indent="0">
               <a:buNone/>
-              <a:defRPr sz="1600">
+              <a:defRPr sz="1400">
                 <a:solidFill>
                   <a:schemeClr val="tx1">
                     <a:tint val="75000"/>
@@ -1020,7 +1124,7 @@
             </a:lvl6pPr>
             <a:lvl7pPr marL="2743200" indent="0">
               <a:buNone/>
-              <a:defRPr sz="1600">
+              <a:defRPr sz="1400">
                 <a:solidFill>
                   <a:schemeClr val="tx1">
                     <a:tint val="75000"/>
@@ -1030,7 +1134,7 @@
             </a:lvl7pPr>
             <a:lvl8pPr marL="3200400" indent="0">
               <a:buNone/>
-              <a:defRPr sz="1600">
+              <a:defRPr sz="1400">
                 <a:solidFill>
                   <a:schemeClr val="tx1">
                     <a:tint val="75000"/>
@@ -1040,7 +1144,7 @@
             </a:lvl8pPr>
             <a:lvl9pPr marL="3657600" indent="0">
               <a:buNone/>
-              <a:defRPr sz="1600">
+              <a:defRPr sz="1400">
                 <a:solidFill>
                   <a:schemeClr val="tx1">
                     <a:tint val="75000"/>
@@ -1054,16 +1158,16 @@
               <a:defRPr/>
             </a:pPr>
             <a:r>
-              <a:rPr lang="en-US"/>
-              <a:t>Click to edit Master text styles</a:t>
-            </a:r>
-            <a:endParaRPr/>
-          </a:p>
-        </p:txBody>
-      </p:sp>
-      <p:sp>
-        <p:nvSpPr>
-          <p:cNvPr id="4" name="Date Placeholder 3"/>
+              <a:rPr lang="ru-RU"/>
+              <a:t>Щелкните, чтобы изменить стили текста образца слайда</a:t>
+            </a:r>
+            <a:endParaRPr/>
+          </a:p>
+        </p:txBody>
+      </p:sp>
+      <p:sp>
+        <p:nvSpPr>
+          <p:cNvPr id="4" name="Дата 3"/>
           <p:cNvSpPr>
             <a:spLocks noGrp="1"/>
           </p:cNvSpPr>
@@ -1073,23 +1177,23 @@
         </p:nvSpPr>
         <p:spPr bwMode="auto"/>
         <p:txBody>
-          <a:bodyPr/>
+          <a:bodyPr rtlCol="0"/>
           <a:lstStyle/>
           <a:p>
             <a:pPr>
               <a:defRPr/>
             </a:pPr>
-            <a:fld id="{1DBD9794-A4CC-42D0-9A65-24C6B9EF4076}" type="datetimeFigureOut">
-              <a:rPr lang="en-US"/>
+            <a:fld id="{17584E32-2C87-460D-9E2A-CDCE61793030}" type="datetime1">
+              <a:rPr lang="ru-RU"/>
               <a:t/>
             </a:fld>
-            <a:endParaRPr lang="en-US"/>
-          </a:p>
-        </p:txBody>
-      </p:sp>
-      <p:sp>
-        <p:nvSpPr>
-          <p:cNvPr id="5" name="Footer Placeholder 4"/>
+            <a:endParaRPr lang="ru-RU"/>
+          </a:p>
+        </p:txBody>
+      </p:sp>
+      <p:sp>
+        <p:nvSpPr>
+          <p:cNvPr id="5" name="Нижний колонтитул 4"/>
           <p:cNvSpPr>
             <a:spLocks noGrp="1"/>
           </p:cNvSpPr>
@@ -1099,19 +1203,19 @@
         </p:nvSpPr>
         <p:spPr bwMode="auto"/>
         <p:txBody>
-          <a:bodyPr/>
+          <a:bodyPr rtlCol="0"/>
           <a:lstStyle/>
           <a:p>
             <a:pPr>
               <a:defRPr/>
             </a:pPr>
-            <a:endParaRPr lang="en-US"/>
-          </a:p>
-        </p:txBody>
-      </p:sp>
-      <p:sp>
-        <p:nvSpPr>
-          <p:cNvPr id="6" name="Slide Number Placeholder 5"/>
+            <a:endParaRPr lang="ru-RU"/>
+          </a:p>
+        </p:txBody>
+      </p:sp>
+      <p:sp>
+        <p:nvSpPr>
+          <p:cNvPr id="6" name="Номер слайда 5"/>
           <p:cNvSpPr>
             <a:spLocks noGrp="1"/>
           </p:cNvSpPr>
@@ -1121,19 +1225,57 @@
         </p:nvSpPr>
         <p:spPr bwMode="auto"/>
         <p:txBody>
-          <a:bodyPr/>
+          <a:bodyPr rtlCol="0"/>
           <a:lstStyle/>
           <a:p>
             <a:pPr>
               <a:defRPr/>
             </a:pPr>
-            <a:fld id="{1FE8DF1E-33BB-4377-9A26-35481BA06C7C}" type="slidenum">
-              <a:rPr lang="en-US"/>
+            <a:fld id="{4FAB73BC-B049-4115-A692-8D63A059BFB8}" type="slidenum">
+              <a:rPr lang="ru-RU"/>
               <a:t/>
             </a:fld>
-            <a:endParaRPr lang="en-US"/>
-          </a:p>
-        </p:txBody>
+            <a:endParaRPr lang="ru-RU"/>
+          </a:p>
+        </p:txBody>
+      </p:sp>
+      <p:sp>
+        <p:nvSpPr>
+          <p:cNvPr id="7" name="Прямоугольник 6"/>
+          <p:cNvSpPr/>
+          <p:nvPr/>
+        </p:nvSpPr>
+        <p:spPr bwMode="auto">
+          <a:xfrm>
+            <a:off x="0" y="0"/>
+            <a:ext cx="457200" cy="6858000"/>
+          </a:xfrm>
+          <a:prstGeom prst="rect">
+            <a:avLst/>
+          </a:prstGeom>
+          <a:solidFill>
+            <a:schemeClr val="accent1"/>
+          </a:solidFill>
+          <a:ln>
+            <a:noFill/>
+          </a:ln>
+        </p:spPr>
+        <p:style>
+          <a:lnRef idx="2">
+            <a:schemeClr val="accent1">
+              <a:shade val="50000"/>
+            </a:schemeClr>
+          </a:lnRef>
+          <a:fillRef idx="1">
+            <a:schemeClr val="accent1"/>
+          </a:fillRef>
+          <a:effectRef idx="0">
+            <a:schemeClr val="accent1"/>
+          </a:effectRef>
+          <a:fontRef idx="minor">
+            <a:schemeClr val="lt1"/>
+          </a:fontRef>
+        </p:style>
       </p:sp>
     </p:spTree>
   </p:cSld>
@@ -1145,7 +1287,7 @@
 
 <file path=ppt/slideLayouts/slideLayout4.xml><?xml version="1.0" encoding="utf-8"?>
 <p:sldLayout xmlns:a="http://schemas.openxmlformats.org/drawingml/2006/main" xmlns:r="http://schemas.openxmlformats.org/officeDocument/2006/relationships" xmlns:p="http://schemas.openxmlformats.org/presentationml/2006/main" xmlns:m="http://schemas.openxmlformats.org/officeDocument/2006/math" xmlns:w="http://schemas.openxmlformats.org/wordprocessingml/2006/main" matchingName="" preserve="1" showMasterPhAnim="0" type="twoObj" userDrawn="1">
-  <p:cSld name="Two Content">
+  <p:cSld name="Два объекта">
     <p:spTree>
       <p:nvGrpSpPr>
         <p:cNvPr id="1" name=""/>
@@ -1162,7 +1304,7 @@
       </p:grpSpPr>
       <p:sp>
         <p:nvSpPr>
-          <p:cNvPr id="2" name="Title 1"/>
+          <p:cNvPr id="2" name="Заголовок 1"/>
           <p:cNvSpPr>
             <a:spLocks noGrp="1"/>
           </p:cNvSpPr>
@@ -1172,46 +1314,74 @@
         </p:nvSpPr>
         <p:spPr bwMode="auto"/>
         <p:txBody>
-          <a:bodyPr/>
+          <a:bodyPr rtlCol="0"/>
           <a:lstStyle/>
           <a:p>
             <a:pPr>
               <a:defRPr/>
             </a:pPr>
             <a:r>
-              <a:rPr lang="en-US"/>
-              <a:t>Click to edit Master title style</a:t>
-            </a:r>
-            <a:endParaRPr lang="en-US"/>
-          </a:p>
-        </p:txBody>
-      </p:sp>
-      <p:sp>
-        <p:nvSpPr>
-          <p:cNvPr id="3" name="Content Placeholder 2"/>
-          <p:cNvSpPr>
-            <a:spLocks noGrp="1"/>
-          </p:cNvSpPr>
-          <p:nvPr>
-            <p:ph sz="half" idx="1"/>
+              <a:rPr lang="ru-RU"/>
+              <a:t>Образец заголовка</a:t>
+            </a:r>
+            <a:endParaRPr/>
+          </a:p>
+        </p:txBody>
+      </p:sp>
+      <p:sp>
+        <p:nvSpPr>
+          <p:cNvPr id="3" name="Объект 2"/>
+          <p:cNvSpPr>
+            <a:spLocks noGrp="1"/>
+          </p:cNvSpPr>
+          <p:nvPr>
+            <p:ph sz="half" idx="1" hasCustomPrompt="1"/>
           </p:nvPr>
         </p:nvSpPr>
         <p:spPr bwMode="auto">
           <a:xfrm>
-            <a:off x="628650" y="1825625"/>
-            <a:ext cx="3886200" cy="4351338"/>
+            <a:off x="1261872" y="1828800"/>
+            <a:ext cx="4480560" cy="4351337"/>
           </a:xfrm>
         </p:spPr>
         <p:txBody>
-          <a:bodyPr/>
-          <a:lstStyle/>
+          <a:bodyPr rtlCol="0"/>
+          <a:lstStyle>
+            <a:lvl1pPr>
+              <a:defRPr sz="1800"/>
+            </a:lvl1pPr>
+            <a:lvl2pPr>
+              <a:defRPr sz="1600"/>
+            </a:lvl2pPr>
+            <a:lvl3pPr>
+              <a:defRPr sz="1400"/>
+            </a:lvl3pPr>
+            <a:lvl4pPr>
+              <a:defRPr sz="1400"/>
+            </a:lvl4pPr>
+            <a:lvl5pPr>
+              <a:defRPr sz="1400"/>
+            </a:lvl5pPr>
+            <a:lvl6pPr>
+              <a:defRPr sz="1400"/>
+            </a:lvl6pPr>
+            <a:lvl7pPr>
+              <a:defRPr sz="1400"/>
+            </a:lvl7pPr>
+            <a:lvl8pPr>
+              <a:defRPr sz="1400"/>
+            </a:lvl8pPr>
+            <a:lvl9pPr>
+              <a:defRPr sz="1400"/>
+            </a:lvl9pPr>
+          </a:lstStyle>
           <a:p>
             <a:pPr lvl="0">
               <a:defRPr/>
             </a:pPr>
             <a:r>
-              <a:rPr lang="en-US"/>
-              <a:t>Click to edit Master text styles</a:t>
+              <a:rPr lang="ru-RU"/>
+              <a:t>Щелкните, чтобы изменить стили текста образца слайда</a:t>
             </a:r>
             <a:endParaRPr/>
           </a:p>
@@ -1220,8 +1390,8 @@
               <a:defRPr/>
             </a:pPr>
             <a:r>
-              <a:rPr lang="en-US"/>
-              <a:t>Second level</a:t>
+              <a:rPr lang="ru-RU"/>
+              <a:t>Второй уровень</a:t>
             </a:r>
             <a:endParaRPr/>
           </a:p>
@@ -1230,8 +1400,8 @@
               <a:defRPr/>
             </a:pPr>
             <a:r>
-              <a:rPr lang="en-US"/>
-              <a:t>Third level</a:t>
+              <a:rPr lang="ru-RU"/>
+              <a:t>Третий уровень</a:t>
             </a:r>
             <a:endParaRPr/>
           </a:p>
@@ -1240,8 +1410,8 @@
               <a:defRPr/>
             </a:pPr>
             <a:r>
-              <a:rPr lang="en-US"/>
-              <a:t>Fourth level</a:t>
+              <a:rPr lang="ru-RU"/>
+              <a:t>Четвертый уровень</a:t>
             </a:r>
             <a:endParaRPr/>
           </a:p>
@@ -1250,113 +1420,141 @@
               <a:defRPr/>
             </a:pPr>
             <a:r>
-              <a:rPr lang="en-US"/>
-              <a:t>Fifth level</a:t>
-            </a:r>
-            <a:endParaRPr lang="en-US"/>
-          </a:p>
-        </p:txBody>
-      </p:sp>
-      <p:sp>
-        <p:nvSpPr>
-          <p:cNvPr id="4" name="Content Placeholder 3"/>
-          <p:cNvSpPr>
-            <a:spLocks noGrp="1"/>
-          </p:cNvSpPr>
-          <p:nvPr>
-            <p:ph sz="half" idx="2"/>
+              <a:rPr lang="ru-RU"/>
+              <a:t>Пятый уровень</a:t>
+            </a:r>
+            <a:endParaRPr/>
+          </a:p>
+        </p:txBody>
+      </p:sp>
+      <p:sp>
+        <p:nvSpPr>
+          <p:cNvPr id="4" name="Объект 3"/>
+          <p:cNvSpPr>
+            <a:spLocks noGrp="1"/>
+          </p:cNvSpPr>
+          <p:nvPr>
+            <p:ph sz="half" idx="2" hasCustomPrompt="1"/>
           </p:nvPr>
         </p:nvSpPr>
         <p:spPr bwMode="auto">
           <a:xfrm>
-            <a:off x="4629150" y="1825625"/>
-            <a:ext cx="3886200" cy="4351338"/>
+            <a:off x="6126480" y="1828800"/>
+            <a:ext cx="4480560" cy="4351337"/>
           </a:xfrm>
         </p:spPr>
         <p:txBody>
-          <a:bodyPr/>
+          <a:bodyPr rtlCol="0"/>
+          <a:lstStyle>
+            <a:lvl1pPr>
+              <a:defRPr sz="1800"/>
+            </a:lvl1pPr>
+            <a:lvl2pPr>
+              <a:defRPr sz="1600"/>
+            </a:lvl2pPr>
+            <a:lvl3pPr>
+              <a:defRPr sz="1400"/>
+            </a:lvl3pPr>
+            <a:lvl4pPr>
+              <a:defRPr sz="1400"/>
+            </a:lvl4pPr>
+            <a:lvl5pPr>
+              <a:defRPr sz="1400"/>
+            </a:lvl5pPr>
+            <a:lvl6pPr>
+              <a:defRPr sz="1400"/>
+            </a:lvl6pPr>
+            <a:lvl7pPr>
+              <a:defRPr sz="1400"/>
+            </a:lvl7pPr>
+            <a:lvl8pPr>
+              <a:defRPr sz="1400"/>
+            </a:lvl8pPr>
+            <a:lvl9pPr>
+              <a:defRPr sz="1400"/>
+            </a:lvl9pPr>
+          </a:lstStyle>
+          <a:p>
+            <a:pPr lvl="0">
+              <a:defRPr/>
+            </a:pPr>
+            <a:r>
+              <a:rPr lang="ru-RU"/>
+              <a:t>Щелкните, чтобы изменить стили текста образца слайда</a:t>
+            </a:r>
+            <a:endParaRPr/>
+          </a:p>
+          <a:p>
+            <a:pPr lvl="1">
+              <a:defRPr/>
+            </a:pPr>
+            <a:r>
+              <a:rPr lang="ru-RU"/>
+              <a:t>Второй уровень</a:t>
+            </a:r>
+            <a:endParaRPr/>
+          </a:p>
+          <a:p>
+            <a:pPr lvl="2">
+              <a:defRPr/>
+            </a:pPr>
+            <a:r>
+              <a:rPr lang="ru-RU"/>
+              <a:t>Третий уровень</a:t>
+            </a:r>
+            <a:endParaRPr/>
+          </a:p>
+          <a:p>
+            <a:pPr lvl="3">
+              <a:defRPr/>
+            </a:pPr>
+            <a:r>
+              <a:rPr lang="ru-RU"/>
+              <a:t>Четвертый уровень</a:t>
+            </a:r>
+            <a:endParaRPr/>
+          </a:p>
+          <a:p>
+            <a:pPr lvl="4">
+              <a:defRPr/>
+            </a:pPr>
+            <a:r>
+              <a:rPr lang="ru-RU"/>
+              <a:t>Пятый уровень</a:t>
+            </a:r>
+            <a:endParaRPr/>
+          </a:p>
+        </p:txBody>
+      </p:sp>
+      <p:sp>
+        <p:nvSpPr>
+          <p:cNvPr id="5" name="Дата 4"/>
+          <p:cNvSpPr>
+            <a:spLocks noGrp="1"/>
+          </p:cNvSpPr>
+          <p:nvPr>
+            <p:ph type="dt" sz="half" idx="10"/>
+          </p:nvPr>
+        </p:nvSpPr>
+        <p:spPr bwMode="auto"/>
+        <p:txBody>
+          <a:bodyPr rtlCol="0"/>
           <a:lstStyle/>
           <a:p>
-            <a:pPr lvl="0">
-              <a:defRPr/>
-            </a:pPr>
-            <a:r>
-              <a:rPr lang="en-US"/>
-              <a:t>Click to edit Master text styles</a:t>
-            </a:r>
-            <a:endParaRPr/>
-          </a:p>
-          <a:p>
-            <a:pPr lvl="1">
-              <a:defRPr/>
-            </a:pPr>
-            <a:r>
-              <a:rPr lang="en-US"/>
-              <a:t>Second level</a:t>
-            </a:r>
-            <a:endParaRPr/>
-          </a:p>
-          <a:p>
-            <a:pPr lvl="2">
-              <a:defRPr/>
-            </a:pPr>
-            <a:r>
-              <a:rPr lang="en-US"/>
-              <a:t>Third level</a:t>
-            </a:r>
-            <a:endParaRPr/>
-          </a:p>
-          <a:p>
-            <a:pPr lvl="3">
-              <a:defRPr/>
-            </a:pPr>
-            <a:r>
-              <a:rPr lang="en-US"/>
-              <a:t>Fourth level</a:t>
-            </a:r>
-            <a:endParaRPr/>
-          </a:p>
-          <a:p>
-            <a:pPr lvl="4">
-              <a:defRPr/>
-            </a:pPr>
-            <a:r>
-              <a:rPr lang="en-US"/>
-              <a:t>Fifth level</a:t>
-            </a:r>
-            <a:endParaRPr lang="en-US"/>
-          </a:p>
-        </p:txBody>
-      </p:sp>
-      <p:sp>
-        <p:nvSpPr>
-          <p:cNvPr id="5" name="Date Placeholder 4"/>
-          <p:cNvSpPr>
-            <a:spLocks noGrp="1"/>
-          </p:cNvSpPr>
-          <p:nvPr>
-            <p:ph type="dt" sz="half" idx="10"/>
-          </p:nvPr>
-        </p:nvSpPr>
-        <p:spPr bwMode="auto"/>
-        <p:txBody>
-          <a:bodyPr/>
-          <a:lstStyle/>
-          <a:p>
-            <a:pPr>
-              <a:defRPr/>
-            </a:pPr>
-            <a:fld id="{1DBD9794-A4CC-42D0-9A65-24C6B9EF4076}" type="datetimeFigureOut">
-              <a:rPr lang="en-US"/>
+            <a:pPr>
+              <a:defRPr/>
+            </a:pPr>
+            <a:fld id="{AB03EC2F-041D-4CF2-86D8-F0B0A674393E}" type="datetime1">
+              <a:rPr lang="ru-RU"/>
               <a:t/>
             </a:fld>
-            <a:endParaRPr lang="en-US"/>
-          </a:p>
-        </p:txBody>
-      </p:sp>
-      <p:sp>
-        <p:nvSpPr>
-          <p:cNvPr id="6" name="Footer Placeholder 5"/>
+            <a:endParaRPr lang="ru-RU"/>
+          </a:p>
+        </p:txBody>
+      </p:sp>
+      <p:sp>
+        <p:nvSpPr>
+          <p:cNvPr id="6" name="Нижний колонтитул 5"/>
           <p:cNvSpPr>
             <a:spLocks noGrp="1"/>
           </p:cNvSpPr>
@@ -1366,19 +1564,19 @@
         </p:nvSpPr>
         <p:spPr bwMode="auto"/>
         <p:txBody>
-          <a:bodyPr/>
+          <a:bodyPr rtlCol="0"/>
           <a:lstStyle/>
           <a:p>
             <a:pPr>
               <a:defRPr/>
             </a:pPr>
-            <a:endParaRPr lang="en-US"/>
-          </a:p>
-        </p:txBody>
-      </p:sp>
-      <p:sp>
-        <p:nvSpPr>
-          <p:cNvPr id="7" name="Slide Number Placeholder 6"/>
+            <a:endParaRPr lang="ru-RU"/>
+          </a:p>
+        </p:txBody>
+      </p:sp>
+      <p:sp>
+        <p:nvSpPr>
+          <p:cNvPr id="7" name="Номер слайда 6"/>
           <p:cNvSpPr>
             <a:spLocks noGrp="1"/>
           </p:cNvSpPr>
@@ -1388,17 +1586,17 @@
         </p:nvSpPr>
         <p:spPr bwMode="auto"/>
         <p:txBody>
-          <a:bodyPr/>
+          <a:bodyPr rtlCol="0"/>
           <a:lstStyle/>
           <a:p>
             <a:pPr>
               <a:defRPr/>
             </a:pPr>
-            <a:fld id="{1FE8DF1E-33BB-4377-9A26-35481BA06C7C}" type="slidenum">
-              <a:rPr lang="en-US"/>
+            <a:fld id="{4FAB73BC-B049-4115-A692-8D63A059BFB8}" type="slidenum">
+              <a:rPr lang="ru-RU"/>
               <a:t/>
             </a:fld>
-            <a:endParaRPr lang="en-US"/>
+            <a:endParaRPr lang="ru-RU"/>
           </a:p>
         </p:txBody>
       </p:sp>
@@ -1412,7 +1610,7 @@
 
 <file path=ppt/slideLayouts/slideLayout5.xml><?xml version="1.0" encoding="utf-8"?>
 <p:sldLayout xmlns:a="http://schemas.openxmlformats.org/drawingml/2006/main" xmlns:r="http://schemas.openxmlformats.org/officeDocument/2006/relationships" xmlns:p="http://schemas.openxmlformats.org/presentationml/2006/main" xmlns:m="http://schemas.openxmlformats.org/officeDocument/2006/math" xmlns:w="http://schemas.openxmlformats.org/wordprocessingml/2006/main" matchingName="" preserve="1" showMasterPhAnim="0" type="twoTxTwoObj" userDrawn="1">
-  <p:cSld name="Comparison">
+  <p:cSld name="Сравнение">
     <p:spTree>
       <p:nvGrpSpPr>
         <p:cNvPr id="1" name=""/>
@@ -1429,57 +1627,61 @@
       </p:grpSpPr>
       <p:sp>
         <p:nvSpPr>
-          <p:cNvPr id="2" name="Title 1"/>
+          <p:cNvPr id="10" name="Заголовок 9"/>
           <p:cNvSpPr>
             <a:spLocks noGrp="1"/>
           </p:cNvSpPr>
           <p:nvPr>
             <p:ph type="title"/>
+          </p:nvPr>
+        </p:nvSpPr>
+        <p:spPr bwMode="auto"/>
+        <p:txBody>
+          <a:bodyPr rtlCol="0"/>
+          <a:lstStyle/>
+          <a:p>
+            <a:pPr>
+              <a:defRPr/>
+            </a:pPr>
+            <a:r>
+              <a:rPr lang="ru-RU"/>
+              <a:t>Образец заголовка</a:t>
+            </a:r>
+            <a:endParaRPr/>
+          </a:p>
+        </p:txBody>
+      </p:sp>
+      <p:sp>
+        <p:nvSpPr>
+          <p:cNvPr id="3" name="Текст 2"/>
+          <p:cNvSpPr>
+            <a:spLocks noGrp="1"/>
+          </p:cNvSpPr>
+          <p:nvPr>
+            <p:ph type="body" idx="1" hasCustomPrompt="1"/>
           </p:nvPr>
         </p:nvSpPr>
         <p:spPr bwMode="auto">
           <a:xfrm>
-            <a:off x="629841" y="365128"/>
-            <a:ext cx="7886700" cy="1325563"/>
+            <a:off x="1261872" y="1713655"/>
+            <a:ext cx="4480560" cy="731520"/>
           </a:xfrm>
         </p:spPr>
         <p:txBody>
-          <a:bodyPr/>
-          <a:lstStyle/>
-          <a:p>
-            <a:pPr>
-              <a:defRPr/>
-            </a:pPr>
-            <a:r>
-              <a:rPr lang="en-US"/>
-              <a:t>Click to edit Master title style</a:t>
-            </a:r>
-            <a:endParaRPr lang="en-US"/>
-          </a:p>
-        </p:txBody>
-      </p:sp>
-      <p:sp>
-        <p:nvSpPr>
-          <p:cNvPr id="3" name="Text Placeholder 2"/>
-          <p:cNvSpPr>
-            <a:spLocks noGrp="1"/>
-          </p:cNvSpPr>
-          <p:nvPr>
-            <p:ph type="body" idx="1"/>
-          </p:nvPr>
-        </p:nvSpPr>
-        <p:spPr bwMode="auto">
-          <a:xfrm>
-            <a:off x="629842" y="1681163"/>
-            <a:ext cx="3868340" cy="823912"/>
-          </a:xfrm>
-        </p:spPr>
-        <p:txBody>
-          <a:bodyPr anchor="b"/>
+          <a:bodyPr rtlCol="0" anchor="b">
+            <a:normAutofit/>
+          </a:bodyPr>
           <a:lstStyle>
             <a:lvl1pPr marL="0" indent="0">
-              <a:buNone/>
-              <a:defRPr sz="2400" b="1"/>
+              <a:spcBef>
+                <a:spcPts val="0"/>
+              </a:spcBef>
+              <a:buNone/>
+              <a:defRPr sz="2000" b="0">
+                <a:solidFill>
+                  <a:schemeClr val="tx2"/>
+                </a:solidFill>
+              </a:defRPr>
             </a:lvl1pPr>
             <a:lvl2pPr marL="457200" indent="0">
               <a:buNone/>
@@ -1519,39 +1721,67 @@
               <a:defRPr/>
             </a:pPr>
             <a:r>
-              <a:rPr lang="en-US"/>
-              <a:t>Click to edit Master text styles</a:t>
-            </a:r>
-            <a:endParaRPr/>
-          </a:p>
-        </p:txBody>
-      </p:sp>
-      <p:sp>
-        <p:nvSpPr>
-          <p:cNvPr id="4" name="Content Placeholder 3"/>
-          <p:cNvSpPr>
-            <a:spLocks noGrp="1"/>
-          </p:cNvSpPr>
-          <p:nvPr>
-            <p:ph sz="half" idx="2"/>
+              <a:rPr lang="ru-RU"/>
+              <a:t>Щелкните, чтобы изменить стили текста образца слайда</a:t>
+            </a:r>
+            <a:endParaRPr/>
+          </a:p>
+        </p:txBody>
+      </p:sp>
+      <p:sp>
+        <p:nvSpPr>
+          <p:cNvPr id="4" name="Объект 3"/>
+          <p:cNvSpPr>
+            <a:spLocks noGrp="1"/>
+          </p:cNvSpPr>
+          <p:nvPr>
+            <p:ph sz="half" idx="2" hasCustomPrompt="1"/>
           </p:nvPr>
         </p:nvSpPr>
         <p:spPr bwMode="auto">
           <a:xfrm>
-            <a:off x="629842" y="2505074"/>
-            <a:ext cx="3868340" cy="3684588"/>
+            <a:off x="1261872" y="2507550"/>
+            <a:ext cx="4480560" cy="3664650"/>
           </a:xfrm>
         </p:spPr>
         <p:txBody>
-          <a:bodyPr/>
-          <a:lstStyle/>
+          <a:bodyPr rtlCol="0"/>
+          <a:lstStyle>
+            <a:lvl1pPr>
+              <a:defRPr sz="1800"/>
+            </a:lvl1pPr>
+            <a:lvl2pPr>
+              <a:defRPr sz="1600"/>
+            </a:lvl2pPr>
+            <a:lvl3pPr>
+              <a:defRPr sz="1400"/>
+            </a:lvl3pPr>
+            <a:lvl4pPr>
+              <a:defRPr sz="1400"/>
+            </a:lvl4pPr>
+            <a:lvl5pPr>
+              <a:defRPr sz="1400"/>
+            </a:lvl5pPr>
+            <a:lvl6pPr>
+              <a:defRPr sz="1400"/>
+            </a:lvl6pPr>
+            <a:lvl7pPr>
+              <a:defRPr sz="1400"/>
+            </a:lvl7pPr>
+            <a:lvl8pPr>
+              <a:defRPr sz="1400"/>
+            </a:lvl8pPr>
+            <a:lvl9pPr>
+              <a:defRPr sz="1400"/>
+            </a:lvl9pPr>
+          </a:lstStyle>
           <a:p>
             <a:pPr lvl="0">
               <a:defRPr/>
             </a:pPr>
             <a:r>
-              <a:rPr lang="en-US"/>
-              <a:t>Click to edit Master text styles</a:t>
+              <a:rPr lang="ru-RU"/>
+              <a:t>Щелкните, чтобы изменить стили текста образца слайда</a:t>
             </a:r>
             <a:endParaRPr/>
           </a:p>
@@ -1560,8 +1790,8 @@
               <a:defRPr/>
             </a:pPr>
             <a:r>
-              <a:rPr lang="en-US"/>
-              <a:t>Second level</a:t>
+              <a:rPr lang="ru-RU"/>
+              <a:t>Второй уровень</a:t>
             </a:r>
             <a:endParaRPr/>
           </a:p>
@@ -1570,8 +1800,8 @@
               <a:defRPr/>
             </a:pPr>
             <a:r>
-              <a:rPr lang="en-US"/>
-              <a:t>Third level</a:t>
+              <a:rPr lang="ru-RU"/>
+              <a:t>Третий уровень</a:t>
             </a:r>
             <a:endParaRPr/>
           </a:p>
@@ -1580,8 +1810,8 @@
               <a:defRPr/>
             </a:pPr>
             <a:r>
-              <a:rPr lang="en-US"/>
-              <a:t>Fourth level</a:t>
+              <a:rPr lang="ru-RU"/>
+              <a:t>Четвертый уровень</a:t>
             </a:r>
             <a:endParaRPr/>
           </a:p>
@@ -1590,35 +1820,50 @@
               <a:defRPr/>
             </a:pPr>
             <a:r>
-              <a:rPr lang="en-US"/>
-              <a:t>Fifth level</a:t>
-            </a:r>
-            <a:endParaRPr lang="en-US"/>
-          </a:p>
-        </p:txBody>
-      </p:sp>
-      <p:sp>
-        <p:nvSpPr>
-          <p:cNvPr id="5" name="Text Placeholder 4"/>
-          <p:cNvSpPr>
-            <a:spLocks noGrp="1"/>
-          </p:cNvSpPr>
-          <p:nvPr>
-            <p:ph type="body" sz="quarter" idx="3"/>
+              <a:rPr lang="ru-RU"/>
+              <a:t>Пятый уровень</a:t>
+            </a:r>
+            <a:endParaRPr/>
+          </a:p>
+        </p:txBody>
+      </p:sp>
+      <p:sp>
+        <p:nvSpPr>
+          <p:cNvPr id="5" name="Текст 4"/>
+          <p:cNvSpPr>
+            <a:spLocks noGrp="1"/>
+          </p:cNvSpPr>
+          <p:nvPr>
+            <p:ph type="body" sz="quarter" idx="3" hasCustomPrompt="1"/>
           </p:nvPr>
         </p:nvSpPr>
         <p:spPr bwMode="auto">
           <a:xfrm>
-            <a:off x="4629151" y="1681163"/>
-            <a:ext cx="3887391" cy="823912"/>
+            <a:off x="6126480" y="1713655"/>
+            <a:ext cx="4480560" cy="731520"/>
           </a:xfrm>
         </p:spPr>
         <p:txBody>
-          <a:bodyPr anchor="b"/>
+          <a:bodyPr rtlCol="0" anchor="b">
+            <a:normAutofit/>
+          </a:bodyPr>
           <a:lstStyle>
             <a:lvl1pPr marL="0" indent="0">
-              <a:buNone/>
-              <a:defRPr sz="2400" b="1"/>
+              <a:lnSpc>
+                <a:spcPct val="95000"/>
+              </a:lnSpc>
+              <a:spcBef>
+                <a:spcPts val="0"/>
+              </a:spcBef>
+              <a:buNone/>
+              <a:defRPr lang="en-US" sz="2000" b="0">
+                <a:solidFill>
+                  <a:schemeClr val="tx2"/>
+                </a:solidFill>
+                <a:latin typeface="+mn-lt"/>
+                <a:ea typeface="+mn-ea"/>
+                <a:cs typeface="+mn-cs"/>
+              </a:defRPr>
             </a:lvl1pPr>
             <a:lvl2pPr marL="457200" indent="0">
               <a:buNone/>
@@ -1654,117 +1899,153 @@
             </a:lvl9pPr>
           </a:lstStyle>
           <a:p>
-            <a:pPr lvl="0">
-              <a:defRPr/>
-            </a:pPr>
-            <a:r>
-              <a:rPr lang="en-US"/>
-              <a:t>Click to edit Master text styles</a:t>
-            </a:r>
-            <a:endParaRPr/>
-          </a:p>
-        </p:txBody>
-      </p:sp>
-      <p:sp>
-        <p:nvSpPr>
-          <p:cNvPr id="6" name="Content Placeholder 5"/>
-          <p:cNvSpPr>
-            <a:spLocks noGrp="1"/>
-          </p:cNvSpPr>
-          <p:nvPr>
-            <p:ph sz="quarter" idx="4"/>
+            <a:pPr marL="0" lvl="0" indent="0" algn="l" defTabSz="914400">
+              <a:lnSpc>
+                <a:spcPct val="90000"/>
+              </a:lnSpc>
+              <a:spcBef>
+                <a:spcPts val="2000"/>
+              </a:spcBef>
+              <a:buFontTx/>
+              <a:buNone/>
+              <a:defRPr/>
+            </a:pPr>
+            <a:r>
+              <a:rPr lang="ru-RU"/>
+              <a:t>Щелкните, чтобы изменить стили текста образца слайда</a:t>
+            </a:r>
+            <a:endParaRPr/>
+          </a:p>
+        </p:txBody>
+      </p:sp>
+      <p:sp>
+        <p:nvSpPr>
+          <p:cNvPr id="6" name="Объект 5"/>
+          <p:cNvSpPr>
+            <a:spLocks noGrp="1"/>
+          </p:cNvSpPr>
+          <p:nvPr>
+            <p:ph sz="quarter" idx="4" hasCustomPrompt="1"/>
           </p:nvPr>
         </p:nvSpPr>
         <p:spPr bwMode="auto">
           <a:xfrm>
-            <a:off x="4629151" y="2505074"/>
-            <a:ext cx="3887391" cy="3684588"/>
+            <a:off x="6126480" y="2507550"/>
+            <a:ext cx="4480560" cy="3664650"/>
           </a:xfrm>
         </p:spPr>
         <p:txBody>
-          <a:bodyPr/>
+          <a:bodyPr rtlCol="0"/>
+          <a:lstStyle>
+            <a:lvl1pPr>
+              <a:defRPr sz="1800"/>
+            </a:lvl1pPr>
+            <a:lvl2pPr>
+              <a:defRPr sz="1600"/>
+            </a:lvl2pPr>
+            <a:lvl3pPr>
+              <a:defRPr sz="1400"/>
+            </a:lvl3pPr>
+            <a:lvl4pPr>
+              <a:defRPr sz="1400"/>
+            </a:lvl4pPr>
+            <a:lvl5pPr>
+              <a:defRPr sz="1400"/>
+            </a:lvl5pPr>
+            <a:lvl6pPr>
+              <a:defRPr sz="1400"/>
+            </a:lvl6pPr>
+            <a:lvl7pPr>
+              <a:defRPr sz="1400"/>
+            </a:lvl7pPr>
+            <a:lvl8pPr>
+              <a:defRPr sz="1400"/>
+            </a:lvl8pPr>
+            <a:lvl9pPr>
+              <a:defRPr sz="1400"/>
+            </a:lvl9pPr>
+          </a:lstStyle>
+          <a:p>
+            <a:pPr lvl="0">
+              <a:defRPr/>
+            </a:pPr>
+            <a:r>
+              <a:rPr lang="ru-RU"/>
+              <a:t>Щелкните, чтобы изменить стили текста образца слайда</a:t>
+            </a:r>
+            <a:endParaRPr/>
+          </a:p>
+          <a:p>
+            <a:pPr lvl="1">
+              <a:defRPr/>
+            </a:pPr>
+            <a:r>
+              <a:rPr lang="ru-RU"/>
+              <a:t>Второй уровень</a:t>
+            </a:r>
+            <a:endParaRPr/>
+          </a:p>
+          <a:p>
+            <a:pPr lvl="2">
+              <a:defRPr/>
+            </a:pPr>
+            <a:r>
+              <a:rPr lang="ru-RU"/>
+              <a:t>Третий уровень</a:t>
+            </a:r>
+            <a:endParaRPr/>
+          </a:p>
+          <a:p>
+            <a:pPr lvl="3">
+              <a:defRPr/>
+            </a:pPr>
+            <a:r>
+              <a:rPr lang="ru-RU"/>
+              <a:t>Четвертый уровень</a:t>
+            </a:r>
+            <a:endParaRPr/>
+          </a:p>
+          <a:p>
+            <a:pPr lvl="4">
+              <a:defRPr/>
+            </a:pPr>
+            <a:r>
+              <a:rPr lang="ru-RU"/>
+              <a:t>Пятый уровень</a:t>
+            </a:r>
+            <a:endParaRPr/>
+          </a:p>
+        </p:txBody>
+      </p:sp>
+      <p:sp>
+        <p:nvSpPr>
+          <p:cNvPr id="7" name="Дата 6"/>
+          <p:cNvSpPr>
+            <a:spLocks noGrp="1"/>
+          </p:cNvSpPr>
+          <p:nvPr>
+            <p:ph type="dt" sz="half" idx="10"/>
+          </p:nvPr>
+        </p:nvSpPr>
+        <p:spPr bwMode="auto"/>
+        <p:txBody>
+          <a:bodyPr rtlCol="0"/>
           <a:lstStyle/>
           <a:p>
-            <a:pPr lvl="0">
-              <a:defRPr/>
-            </a:pPr>
-            <a:r>
-              <a:rPr lang="en-US"/>
-              <a:t>Click to edit Master text styles</a:t>
-            </a:r>
-            <a:endParaRPr/>
-          </a:p>
-          <a:p>
-            <a:pPr lvl="1">
-              <a:defRPr/>
-            </a:pPr>
-            <a:r>
-              <a:rPr lang="en-US"/>
-              <a:t>Second level</a:t>
-            </a:r>
-            <a:endParaRPr/>
-          </a:p>
-          <a:p>
-            <a:pPr lvl="2">
-              <a:defRPr/>
-            </a:pPr>
-            <a:r>
-              <a:rPr lang="en-US"/>
-              <a:t>Third level</a:t>
-            </a:r>
-            <a:endParaRPr/>
-          </a:p>
-          <a:p>
-            <a:pPr lvl="3">
-              <a:defRPr/>
-            </a:pPr>
-            <a:r>
-              <a:rPr lang="en-US"/>
-              <a:t>Fourth level</a:t>
-            </a:r>
-            <a:endParaRPr/>
-          </a:p>
-          <a:p>
-            <a:pPr lvl="4">
-              <a:defRPr/>
-            </a:pPr>
-            <a:r>
-              <a:rPr lang="en-US"/>
-              <a:t>Fifth level</a:t>
-            </a:r>
-            <a:endParaRPr lang="en-US"/>
-          </a:p>
-        </p:txBody>
-      </p:sp>
-      <p:sp>
-        <p:nvSpPr>
-          <p:cNvPr id="7" name="Date Placeholder 6"/>
-          <p:cNvSpPr>
-            <a:spLocks noGrp="1"/>
-          </p:cNvSpPr>
-          <p:nvPr>
-            <p:ph type="dt" sz="half" idx="10"/>
-          </p:nvPr>
-        </p:nvSpPr>
-        <p:spPr bwMode="auto"/>
-        <p:txBody>
-          <a:bodyPr/>
-          <a:lstStyle/>
-          <a:p>
-            <a:pPr>
-              <a:defRPr/>
-            </a:pPr>
-            <a:fld id="{1DBD9794-A4CC-42D0-9A65-24C6B9EF4076}" type="datetimeFigureOut">
-              <a:rPr lang="en-US"/>
+            <a:pPr>
+              <a:defRPr/>
+            </a:pPr>
+            <a:fld id="{D41D73CE-C401-4D04-9560-034A055CB90C}" type="datetime1">
+              <a:rPr lang="ru-RU"/>
               <a:t/>
             </a:fld>
-            <a:endParaRPr lang="en-US"/>
-          </a:p>
-        </p:txBody>
-      </p:sp>
-      <p:sp>
-        <p:nvSpPr>
-          <p:cNvPr id="8" name="Footer Placeholder 7"/>
+            <a:endParaRPr lang="ru-RU"/>
+          </a:p>
+        </p:txBody>
+      </p:sp>
+      <p:sp>
+        <p:nvSpPr>
+          <p:cNvPr id="8" name="Нижний колонтитул 7"/>
           <p:cNvSpPr>
             <a:spLocks noGrp="1"/>
           </p:cNvSpPr>
@@ -1774,19 +2055,19 @@
         </p:nvSpPr>
         <p:spPr bwMode="auto"/>
         <p:txBody>
-          <a:bodyPr/>
+          <a:bodyPr rtlCol="0"/>
           <a:lstStyle/>
           <a:p>
             <a:pPr>
               <a:defRPr/>
             </a:pPr>
-            <a:endParaRPr lang="en-US"/>
-          </a:p>
-        </p:txBody>
-      </p:sp>
-      <p:sp>
-        <p:nvSpPr>
-          <p:cNvPr id="9" name="Slide Number Placeholder 8"/>
+            <a:endParaRPr lang="ru-RU"/>
+          </a:p>
+        </p:txBody>
+      </p:sp>
+      <p:sp>
+        <p:nvSpPr>
+          <p:cNvPr id="9" name="Номер слайда 8"/>
           <p:cNvSpPr>
             <a:spLocks noGrp="1"/>
           </p:cNvSpPr>
@@ -1796,17 +2077,17 @@
         </p:nvSpPr>
         <p:spPr bwMode="auto"/>
         <p:txBody>
-          <a:bodyPr/>
+          <a:bodyPr rtlCol="0"/>
           <a:lstStyle/>
           <a:p>
             <a:pPr>
               <a:defRPr/>
             </a:pPr>
-            <a:fld id="{1FE8DF1E-33BB-4377-9A26-35481BA06C7C}" type="slidenum">
-              <a:rPr lang="en-US"/>
+            <a:fld id="{4FAB73BC-B049-4115-A692-8D63A059BFB8}" type="slidenum">
+              <a:rPr lang="ru-RU"/>
               <a:t/>
             </a:fld>
-            <a:endParaRPr lang="en-US"/>
+            <a:endParaRPr lang="ru-RU"/>
           </a:p>
         </p:txBody>
       </p:sp>
@@ -1820,7 +2101,7 @@
 
 <file path=ppt/slideLayouts/slideLayout6.xml><?xml version="1.0" encoding="utf-8"?>
 <p:sldLayout xmlns:a="http://schemas.openxmlformats.org/drawingml/2006/main" xmlns:r="http://schemas.openxmlformats.org/officeDocument/2006/relationships" xmlns:p="http://schemas.openxmlformats.org/presentationml/2006/main" xmlns:m="http://schemas.openxmlformats.org/officeDocument/2006/math" xmlns:w="http://schemas.openxmlformats.org/wordprocessingml/2006/main" matchingName="" preserve="1" showMasterPhAnim="0" type="titleOnly" userDrawn="1">
-  <p:cSld name="Title Only">
+  <p:cSld name="Только заголовок">
     <p:spTree>
       <p:nvGrpSpPr>
         <p:cNvPr id="1" name=""/>
@@ -1837,7 +2118,7 @@
       </p:grpSpPr>
       <p:sp>
         <p:nvSpPr>
-          <p:cNvPr id="2" name="Title 1"/>
+          <p:cNvPr id="6" name="Заголовок 5"/>
           <p:cNvSpPr>
             <a:spLocks noGrp="1"/>
           </p:cNvSpPr>
@@ -1847,23 +2128,23 @@
         </p:nvSpPr>
         <p:spPr bwMode="auto"/>
         <p:txBody>
-          <a:bodyPr/>
+          <a:bodyPr rtlCol="0"/>
           <a:lstStyle/>
           <a:p>
             <a:pPr>
               <a:defRPr/>
             </a:pPr>
             <a:r>
-              <a:rPr lang="en-US"/>
-              <a:t>Click to edit Master title style</a:t>
-            </a:r>
-            <a:endParaRPr lang="en-US"/>
-          </a:p>
-        </p:txBody>
-      </p:sp>
-      <p:sp>
-        <p:nvSpPr>
-          <p:cNvPr id="3" name="Date Placeholder 2"/>
+              <a:rPr lang="ru-RU"/>
+              <a:t>Образец заголовка</a:t>
+            </a:r>
+            <a:endParaRPr/>
+          </a:p>
+        </p:txBody>
+      </p:sp>
+      <p:sp>
+        <p:nvSpPr>
+          <p:cNvPr id="3" name="Дата 2"/>
           <p:cNvSpPr>
             <a:spLocks noGrp="1"/>
           </p:cNvSpPr>
@@ -1873,23 +2154,23 @@
         </p:nvSpPr>
         <p:spPr bwMode="auto"/>
         <p:txBody>
-          <a:bodyPr/>
+          <a:bodyPr rtlCol="0"/>
           <a:lstStyle/>
           <a:p>
             <a:pPr>
               <a:defRPr/>
             </a:pPr>
-            <a:fld id="{1DBD9794-A4CC-42D0-9A65-24C6B9EF4076}" type="datetimeFigureOut">
-              <a:rPr lang="en-US"/>
+            <a:fld id="{3BC1550E-F63F-4B80-B07F-C41DEB6C305D}" type="datetime1">
+              <a:rPr lang="ru-RU"/>
               <a:t/>
             </a:fld>
-            <a:endParaRPr lang="en-US"/>
-          </a:p>
-        </p:txBody>
-      </p:sp>
-      <p:sp>
-        <p:nvSpPr>
-          <p:cNvPr id="4" name="Footer Placeholder 3"/>
+            <a:endParaRPr lang="ru-RU"/>
+          </a:p>
+        </p:txBody>
+      </p:sp>
+      <p:sp>
+        <p:nvSpPr>
+          <p:cNvPr id="4" name="Нижний колонтитул 3"/>
           <p:cNvSpPr>
             <a:spLocks noGrp="1"/>
           </p:cNvSpPr>
@@ -1899,19 +2180,19 @@
         </p:nvSpPr>
         <p:spPr bwMode="auto"/>
         <p:txBody>
-          <a:bodyPr/>
+          <a:bodyPr rtlCol="0"/>
           <a:lstStyle/>
           <a:p>
             <a:pPr>
               <a:defRPr/>
             </a:pPr>
-            <a:endParaRPr lang="en-US"/>
-          </a:p>
-        </p:txBody>
-      </p:sp>
-      <p:sp>
-        <p:nvSpPr>
-          <p:cNvPr id="5" name="Slide Number Placeholder 4"/>
+            <a:endParaRPr lang="ru-RU"/>
+          </a:p>
+        </p:txBody>
+      </p:sp>
+      <p:sp>
+        <p:nvSpPr>
+          <p:cNvPr id="5" name="Номер слайда 4"/>
           <p:cNvSpPr>
             <a:spLocks noGrp="1"/>
           </p:cNvSpPr>
@@ -1921,17 +2202,17 @@
         </p:nvSpPr>
         <p:spPr bwMode="auto"/>
         <p:txBody>
-          <a:bodyPr/>
+          <a:bodyPr rtlCol="0"/>
           <a:lstStyle/>
           <a:p>
             <a:pPr>
               <a:defRPr/>
             </a:pPr>
-            <a:fld id="{1FE8DF1E-33BB-4377-9A26-35481BA06C7C}" type="slidenum">
-              <a:rPr lang="en-US"/>
+            <a:fld id="{4FAB73BC-B049-4115-A692-8D63A059BFB8}" type="slidenum">
+              <a:rPr lang="ru-RU"/>
               <a:t/>
             </a:fld>
-            <a:endParaRPr lang="en-US"/>
+            <a:endParaRPr lang="ru-RU"/>
           </a:p>
         </p:txBody>
       </p:sp>
@@ -1945,7 +2226,7 @@
 
 <file path=ppt/slideLayouts/slideLayout7.xml><?xml version="1.0" encoding="utf-8"?>
 <p:sldLayout xmlns:a="http://schemas.openxmlformats.org/drawingml/2006/main" xmlns:r="http://schemas.openxmlformats.org/officeDocument/2006/relationships" xmlns:p="http://schemas.openxmlformats.org/presentationml/2006/main" xmlns:m="http://schemas.openxmlformats.org/officeDocument/2006/math" xmlns:w="http://schemas.openxmlformats.org/wordprocessingml/2006/main" matchingName="" preserve="1" showMasterPhAnim="0" type="blank" userDrawn="1">
-  <p:cSld name="Blank">
+  <p:cSld name="Пустой слайд">
     <p:spTree>
       <p:nvGrpSpPr>
         <p:cNvPr id="1" name=""/>
@@ -1962,7 +2243,7 @@
       </p:grpSpPr>
       <p:sp>
         <p:nvSpPr>
-          <p:cNvPr id="2" name="Date Placeholder 1"/>
+          <p:cNvPr id="2" name="Дата 1"/>
           <p:cNvSpPr>
             <a:spLocks noGrp="1"/>
           </p:cNvSpPr>
@@ -1972,23 +2253,23 @@
         </p:nvSpPr>
         <p:spPr bwMode="auto"/>
         <p:txBody>
-          <a:bodyPr/>
+          <a:bodyPr rtlCol="0"/>
           <a:lstStyle/>
           <a:p>
             <a:pPr>
               <a:defRPr/>
             </a:pPr>
-            <a:fld id="{1DBD9794-A4CC-42D0-9A65-24C6B9EF4076}" type="datetimeFigureOut">
-              <a:rPr lang="en-US"/>
+            <a:fld id="{01906AA1-9020-4738-8076-27C655C98403}" type="datetime1">
+              <a:rPr lang="ru-RU"/>
               <a:t/>
             </a:fld>
-            <a:endParaRPr lang="en-US"/>
-          </a:p>
-        </p:txBody>
-      </p:sp>
-      <p:sp>
-        <p:nvSpPr>
-          <p:cNvPr id="3" name="Footer Placeholder 2"/>
+            <a:endParaRPr lang="ru-RU"/>
+          </a:p>
+        </p:txBody>
+      </p:sp>
+      <p:sp>
+        <p:nvSpPr>
+          <p:cNvPr id="3" name="Нижний колонтитул 2"/>
           <p:cNvSpPr>
             <a:spLocks noGrp="1"/>
           </p:cNvSpPr>
@@ -1998,19 +2279,19 @@
         </p:nvSpPr>
         <p:spPr bwMode="auto"/>
         <p:txBody>
-          <a:bodyPr/>
+          <a:bodyPr rtlCol="0"/>
           <a:lstStyle/>
           <a:p>
             <a:pPr>
               <a:defRPr/>
             </a:pPr>
-            <a:endParaRPr lang="en-US"/>
-          </a:p>
-        </p:txBody>
-      </p:sp>
-      <p:sp>
-        <p:nvSpPr>
-          <p:cNvPr id="4" name="Slide Number Placeholder 3"/>
+            <a:endParaRPr lang="ru-RU"/>
+          </a:p>
+        </p:txBody>
+      </p:sp>
+      <p:sp>
+        <p:nvSpPr>
+          <p:cNvPr id="4" name="Номер слайда 3"/>
           <p:cNvSpPr>
             <a:spLocks noGrp="1"/>
           </p:cNvSpPr>
@@ -2020,17 +2301,17 @@
         </p:nvSpPr>
         <p:spPr bwMode="auto"/>
         <p:txBody>
-          <a:bodyPr/>
+          <a:bodyPr rtlCol="0"/>
           <a:lstStyle/>
           <a:p>
             <a:pPr>
               <a:defRPr/>
             </a:pPr>
-            <a:fld id="{1FE8DF1E-33BB-4377-9A26-35481BA06C7C}" type="slidenum">
-              <a:rPr lang="en-US"/>
+            <a:fld id="{4FAB73BC-B049-4115-A692-8D63A059BFB8}" type="slidenum">
+              <a:rPr lang="ru-RU"/>
               <a:t/>
             </a:fld>
-            <a:endParaRPr lang="en-US"/>
+            <a:endParaRPr lang="ru-RU"/>
           </a:p>
         </p:txBody>
       </p:sp>
@@ -2044,7 +2325,7 @@
 
 <file path=ppt/slideLayouts/slideLayout8.xml><?xml version="1.0" encoding="utf-8"?>
 <p:sldLayout xmlns:a="http://schemas.openxmlformats.org/drawingml/2006/main" xmlns:r="http://schemas.openxmlformats.org/officeDocument/2006/relationships" xmlns:p="http://schemas.openxmlformats.org/presentationml/2006/main" xmlns:m="http://schemas.openxmlformats.org/officeDocument/2006/math" xmlns:w="http://schemas.openxmlformats.org/wordprocessingml/2006/main" matchingName="" preserve="1" showMasterPhAnim="0" type="objTx" userDrawn="1">
-  <p:cSld name="Content with Caption">
+  <p:cSld name="Объект с подписью">
     <p:spTree>
       <p:nvGrpSpPr>
         <p:cNvPr id="1" name=""/>
@@ -2061,7 +2342,7 @@
       </p:grpSpPr>
       <p:sp>
         <p:nvSpPr>
-          <p:cNvPr id="2" name="Title 1"/>
+          <p:cNvPr id="2" name="Заголовок 1"/>
           <p:cNvSpPr>
             <a:spLocks noGrp="1"/>
           </p:cNvSpPr>
@@ -2071,15 +2352,17 @@
         </p:nvSpPr>
         <p:spPr bwMode="auto">
           <a:xfrm>
-            <a:off x="629841" y="457200"/>
-            <a:ext cx="2949178" cy="1600200"/>
+            <a:off x="841248" y="457200"/>
+            <a:ext cx="3200400" cy="1600197"/>
           </a:xfrm>
         </p:spPr>
         <p:txBody>
-          <a:bodyPr anchor="b"/>
+          <a:bodyPr rtlCol="0" anchor="b">
+            <a:normAutofit/>
+          </a:bodyPr>
           <a:lstStyle>
             <a:lvl1pPr>
-              <a:defRPr sz="3200"/>
+              <a:defRPr sz="3200" b="0"/>
             </a:lvl1pPr>
           </a:lstStyle>
           <a:p>
@@ -2087,58 +2370,58 @@
               <a:defRPr/>
             </a:pPr>
             <a:r>
-              <a:rPr lang="en-US"/>
-              <a:t>Click to edit Master title style</a:t>
-            </a:r>
-            <a:endParaRPr lang="en-US"/>
-          </a:p>
-        </p:txBody>
-      </p:sp>
-      <p:sp>
-        <p:nvSpPr>
-          <p:cNvPr id="3" name="Content Placeholder 2"/>
-          <p:cNvSpPr>
-            <a:spLocks noGrp="1"/>
-          </p:cNvSpPr>
-          <p:nvPr>
-            <p:ph idx="1"/>
+              <a:rPr lang="ru-RU"/>
+              <a:t>Образец заголовка</a:t>
+            </a:r>
+            <a:endParaRPr/>
+          </a:p>
+        </p:txBody>
+      </p:sp>
+      <p:sp>
+        <p:nvSpPr>
+          <p:cNvPr id="3" name="Объект 2"/>
+          <p:cNvSpPr>
+            <a:spLocks noGrp="1"/>
+          </p:cNvSpPr>
+          <p:nvPr>
+            <p:ph idx="1" hasCustomPrompt="1"/>
           </p:nvPr>
         </p:nvSpPr>
         <p:spPr bwMode="auto">
           <a:xfrm>
-            <a:off x="3887391" y="987428"/>
-            <a:ext cx="4629150" cy="4873625"/>
+            <a:off x="4504267" y="685800"/>
+            <a:ext cx="6079066" cy="5486400"/>
           </a:xfrm>
         </p:spPr>
         <p:txBody>
-          <a:bodyPr/>
+          <a:bodyPr rtlCol="0"/>
           <a:lstStyle>
             <a:lvl1pPr>
-              <a:defRPr sz="3200"/>
+              <a:defRPr sz="2000"/>
             </a:lvl1pPr>
             <a:lvl2pPr>
-              <a:defRPr sz="2800"/>
+              <a:defRPr sz="1800"/>
             </a:lvl2pPr>
             <a:lvl3pPr>
-              <a:defRPr sz="2400"/>
+              <a:defRPr sz="1600"/>
             </a:lvl3pPr>
             <a:lvl4pPr>
-              <a:defRPr sz="2000"/>
+              <a:defRPr sz="1400"/>
             </a:lvl4pPr>
             <a:lvl5pPr>
-              <a:defRPr sz="2000"/>
+              <a:defRPr sz="1400"/>
             </a:lvl5pPr>
             <a:lvl6pPr>
-              <a:defRPr sz="2000"/>
+              <a:defRPr sz="1400"/>
             </a:lvl6pPr>
             <a:lvl7pPr>
-              <a:defRPr sz="2000"/>
+              <a:defRPr sz="1400"/>
             </a:lvl7pPr>
             <a:lvl8pPr>
-              <a:defRPr sz="2000"/>
+              <a:defRPr sz="1400"/>
             </a:lvl8pPr>
             <a:lvl9pPr>
-              <a:defRPr sz="2000"/>
+              <a:defRPr sz="1400"/>
             </a:lvl9pPr>
           </a:lstStyle>
           <a:p>
@@ -2146,8 +2429,8 @@
               <a:defRPr/>
             </a:pPr>
             <a:r>
-              <a:rPr lang="en-US"/>
-              <a:t>Click to edit Master text styles</a:t>
+              <a:rPr lang="ru-RU"/>
+              <a:t>Щелкните, чтобы изменить стили текста образца слайда</a:t>
             </a:r>
             <a:endParaRPr/>
           </a:p>
@@ -2156,8 +2439,8 @@
               <a:defRPr/>
             </a:pPr>
             <a:r>
-              <a:rPr lang="en-US"/>
-              <a:t>Second level</a:t>
+              <a:rPr lang="ru-RU"/>
+              <a:t>Второй уровень</a:t>
             </a:r>
             <a:endParaRPr/>
           </a:p>
@@ -2166,8 +2449,8 @@
               <a:defRPr/>
             </a:pPr>
             <a:r>
-              <a:rPr lang="en-US"/>
-              <a:t>Third level</a:t>
+              <a:rPr lang="ru-RU"/>
+              <a:t>Третий уровень</a:t>
             </a:r>
             <a:endParaRPr/>
           </a:p>
@@ -2176,8 +2459,8 @@
               <a:defRPr/>
             </a:pPr>
             <a:r>
-              <a:rPr lang="en-US"/>
-              <a:t>Fourth level</a:t>
+              <a:rPr lang="ru-RU"/>
+              <a:t>Четвертый уровень</a:t>
             </a:r>
             <a:endParaRPr/>
           </a:p>
@@ -2186,67 +2469,75 @@
               <a:defRPr/>
             </a:pPr>
             <a:r>
-              <a:rPr lang="en-US"/>
-              <a:t>Fifth level</a:t>
-            </a:r>
-            <a:endParaRPr lang="en-US"/>
-          </a:p>
-        </p:txBody>
-      </p:sp>
-      <p:sp>
-        <p:nvSpPr>
-          <p:cNvPr id="4" name="Text Placeholder 3"/>
-          <p:cNvSpPr>
-            <a:spLocks noGrp="1"/>
-          </p:cNvSpPr>
-          <p:nvPr>
-            <p:ph type="body" sz="half" idx="2"/>
+              <a:rPr lang="ru-RU"/>
+              <a:t>Пятый уровень</a:t>
+            </a:r>
+            <a:endParaRPr/>
+          </a:p>
+        </p:txBody>
+      </p:sp>
+      <p:sp>
+        <p:nvSpPr>
+          <p:cNvPr id="4" name="Текст 3"/>
+          <p:cNvSpPr>
+            <a:spLocks noGrp="1"/>
+          </p:cNvSpPr>
+          <p:nvPr>
+            <p:ph type="body" sz="half" idx="2" hasCustomPrompt="1"/>
           </p:nvPr>
         </p:nvSpPr>
         <p:spPr bwMode="auto">
           <a:xfrm>
-            <a:off x="629841" y="2057400"/>
-            <a:ext cx="2949178" cy="3811588"/>
+            <a:off x="841248" y="2099734"/>
+            <a:ext cx="3200400" cy="3810001"/>
           </a:xfrm>
         </p:spPr>
         <p:txBody>
-          <a:bodyPr/>
+          <a:bodyPr rtlCol="0">
+            <a:normAutofit/>
+          </a:bodyPr>
           <a:lstStyle>
             <a:lvl1pPr marL="0" indent="0">
-              <a:buNone/>
-              <a:defRPr sz="1600"/>
+              <a:lnSpc>
+                <a:spcPct val="113999"/>
+              </a:lnSpc>
+              <a:spcBef>
+                <a:spcPts val="800"/>
+              </a:spcBef>
+              <a:buNone/>
+              <a:defRPr sz="1300"/>
             </a:lvl1pPr>
             <a:lvl2pPr marL="457200" indent="0">
               <a:buNone/>
-              <a:defRPr sz="1400"/>
+              <a:defRPr sz="1200"/>
             </a:lvl2pPr>
             <a:lvl3pPr marL="914400" indent="0">
               <a:buNone/>
-              <a:defRPr sz="1200"/>
+              <a:defRPr sz="1000"/>
             </a:lvl3pPr>
             <a:lvl4pPr marL="1371600" indent="0">
               <a:buNone/>
-              <a:defRPr sz="1000"/>
+              <a:defRPr sz="900"/>
             </a:lvl4pPr>
             <a:lvl5pPr marL="1828800" indent="0">
               <a:buNone/>
-              <a:defRPr sz="1000"/>
+              <a:defRPr sz="900"/>
             </a:lvl5pPr>
             <a:lvl6pPr marL="2286000" indent="0">
               <a:buNone/>
-              <a:defRPr sz="1000"/>
+              <a:defRPr sz="900"/>
             </a:lvl6pPr>
             <a:lvl7pPr marL="2743200" indent="0">
               <a:buNone/>
-              <a:defRPr sz="1000"/>
+              <a:defRPr sz="900"/>
             </a:lvl7pPr>
             <a:lvl8pPr marL="3200400" indent="0">
               <a:buNone/>
-              <a:defRPr sz="1000"/>
+              <a:defRPr sz="900"/>
             </a:lvl8pPr>
             <a:lvl9pPr marL="3657600" indent="0">
               <a:buNone/>
-              <a:defRPr sz="1000"/>
+              <a:defRPr sz="900"/>
             </a:lvl9pPr>
           </a:lstStyle>
           <a:p>
@@ -2254,16 +2545,16 @@
               <a:defRPr/>
             </a:pPr>
             <a:r>
-              <a:rPr lang="en-US"/>
-              <a:t>Click to edit Master text styles</a:t>
-            </a:r>
-            <a:endParaRPr/>
-          </a:p>
-        </p:txBody>
-      </p:sp>
-      <p:sp>
-        <p:nvSpPr>
-          <p:cNvPr id="5" name="Date Placeholder 4"/>
+              <a:rPr lang="ru-RU"/>
+              <a:t>Щелкните, чтобы изменить стили текста образца слайда</a:t>
+            </a:r>
+            <a:endParaRPr/>
+          </a:p>
+        </p:txBody>
+      </p:sp>
+      <p:sp>
+        <p:nvSpPr>
+          <p:cNvPr id="5" name="Дата 4"/>
           <p:cNvSpPr>
             <a:spLocks noGrp="1"/>
           </p:cNvSpPr>
@@ -2273,23 +2564,23 @@
         </p:nvSpPr>
         <p:spPr bwMode="auto"/>
         <p:txBody>
-          <a:bodyPr/>
+          <a:bodyPr rtlCol="0"/>
           <a:lstStyle/>
           <a:p>
             <a:pPr>
               <a:defRPr/>
             </a:pPr>
-            <a:fld id="{1DBD9794-A4CC-42D0-9A65-24C6B9EF4076}" type="datetimeFigureOut">
-              <a:rPr lang="en-US"/>
+            <a:fld id="{16847DE8-DA57-4BA5-AFA8-12EAB9D5EB1A}" type="datetime1">
+              <a:rPr lang="ru-RU"/>
               <a:t/>
             </a:fld>
-            <a:endParaRPr lang="en-US"/>
-          </a:p>
-        </p:txBody>
-      </p:sp>
-      <p:sp>
-        <p:nvSpPr>
-          <p:cNvPr id="6" name="Footer Placeholder 5"/>
+            <a:endParaRPr lang="ru-RU"/>
+          </a:p>
+        </p:txBody>
+      </p:sp>
+      <p:sp>
+        <p:nvSpPr>
+          <p:cNvPr id="6" name="Нижний колонтитул 5"/>
           <p:cNvSpPr>
             <a:spLocks noGrp="1"/>
           </p:cNvSpPr>
@@ -2299,19 +2590,19 @@
         </p:nvSpPr>
         <p:spPr bwMode="auto"/>
         <p:txBody>
-          <a:bodyPr/>
+          <a:bodyPr rtlCol="0"/>
           <a:lstStyle/>
           <a:p>
             <a:pPr>
               <a:defRPr/>
             </a:pPr>
-            <a:endParaRPr lang="en-US"/>
-          </a:p>
-        </p:txBody>
-      </p:sp>
-      <p:sp>
-        <p:nvSpPr>
-          <p:cNvPr id="7" name="Slide Number Placeholder 6"/>
+            <a:endParaRPr lang="ru-RU"/>
+          </a:p>
+        </p:txBody>
+      </p:sp>
+      <p:sp>
+        <p:nvSpPr>
+          <p:cNvPr id="7" name="Номер слайда 6"/>
           <p:cNvSpPr>
             <a:spLocks noGrp="1"/>
           </p:cNvSpPr>
@@ -2321,17 +2612,17 @@
         </p:nvSpPr>
         <p:spPr bwMode="auto"/>
         <p:txBody>
-          <a:bodyPr/>
+          <a:bodyPr rtlCol="0"/>
           <a:lstStyle/>
           <a:p>
             <a:pPr>
               <a:defRPr/>
             </a:pPr>
-            <a:fld id="{1FE8DF1E-33BB-4377-9A26-35481BA06C7C}" type="slidenum">
-              <a:rPr lang="en-US"/>
+            <a:fld id="{4FAB73BC-B049-4115-A692-8D63A059BFB8}" type="slidenum">
+              <a:rPr lang="ru-RU"/>
               <a:t/>
             </a:fld>
-            <a:endParaRPr lang="en-US"/>
+            <a:endParaRPr lang="ru-RU"/>
           </a:p>
         </p:txBody>
       </p:sp>
@@ -2345,7 +2636,7 @@
 
 <file path=ppt/slideLayouts/slideLayout9.xml><?xml version="1.0" encoding="utf-8"?>
 <p:sldLayout xmlns:a="http://schemas.openxmlformats.org/drawingml/2006/main" xmlns:r="http://schemas.openxmlformats.org/officeDocument/2006/relationships" xmlns:p="http://schemas.openxmlformats.org/presentationml/2006/main" xmlns:m="http://schemas.openxmlformats.org/officeDocument/2006/math" xmlns:w="http://schemas.openxmlformats.org/wordprocessingml/2006/main" matchingName="" preserve="1" showMasterPhAnim="0" type="picTx" userDrawn="1">
-  <p:cSld name="Picture with Caption">
+  <p:cSld name="Рисунок с подписью">
     <p:spTree>
       <p:nvGrpSpPr>
         <p:cNvPr id="1" name=""/>
@@ -2362,25 +2653,69 @@
       </p:grpSpPr>
       <p:sp>
         <p:nvSpPr>
-          <p:cNvPr id="2" name="Title 1"/>
-          <p:cNvSpPr>
-            <a:spLocks noGrp="1"/>
-          </p:cNvSpPr>
-          <p:nvPr>
-            <p:ph type="title"/>
-          </p:nvPr>
+          <p:cNvPr id="8" name="Прямоугольник 7"/>
+          <p:cNvSpPr/>
+          <p:nvPr/>
         </p:nvSpPr>
         <p:spPr bwMode="auto">
           <a:xfrm>
-            <a:off x="629841" y="457200"/>
-            <a:ext cx="2949178" cy="1600200"/>
+            <a:off x="0" y="5105400"/>
+            <a:ext cx="11292840" cy="1752599"/>
+          </a:xfrm>
+          <a:prstGeom prst="rect">
+            <a:avLst/>
+          </a:prstGeom>
+          <a:solidFill>
+            <a:srgbClr val="000000"/>
+          </a:solidFill>
+          <a:ln>
+            <a:noFill/>
+          </a:ln>
+        </p:spPr>
+        <p:style>
+          <a:lnRef idx="2">
+            <a:schemeClr val="accent1">
+              <a:shade val="50000"/>
+            </a:schemeClr>
+          </a:lnRef>
+          <a:fillRef idx="1">
+            <a:schemeClr val="accent1"/>
+          </a:fillRef>
+          <a:effectRef idx="0">
+            <a:schemeClr val="accent1"/>
+          </a:effectRef>
+          <a:fontRef idx="minor">
+            <a:schemeClr val="lt1"/>
+          </a:fontRef>
+        </p:style>
+      </p:sp>
+      <p:sp>
+        <p:nvSpPr>
+          <p:cNvPr id="2" name="Заголовок 1"/>
+          <p:cNvSpPr>
+            <a:spLocks noGrp="1"/>
+          </p:cNvSpPr>
+          <p:nvPr>
+            <p:ph type="title"/>
+          </p:nvPr>
+        </p:nvSpPr>
+        <p:spPr bwMode="auto">
+          <a:xfrm>
+            <a:off x="914400" y="5257800"/>
+            <a:ext cx="9982200" cy="914400"/>
           </a:xfrm>
         </p:spPr>
         <p:txBody>
-          <a:bodyPr anchor="b"/>
+          <a:bodyPr rtlCol="0" anchor="b">
+            <a:normAutofit/>
+          </a:bodyPr>
           <a:lstStyle>
             <a:lvl1pPr>
-              <a:defRPr sz="3200"/>
+              <a:defRPr sz="2800" b="0">
+                <a:solidFill>
+                  <a:schemeClr val="bg1"/>
+                </a:solidFill>
+              </a:defRPr>
             </a:lvl1pPr>
           </a:lstStyle>
           <a:p>
@@ -2388,35 +2723,45 @@
               <a:defRPr/>
             </a:pPr>
             <a:r>
-              <a:rPr lang="en-US"/>
-              <a:t>Click to edit Master title style</a:t>
-            </a:r>
-            <a:endParaRPr lang="en-US"/>
-          </a:p>
-        </p:txBody>
-      </p:sp>
-      <p:sp>
-        <p:nvSpPr>
-          <p:cNvPr id="3" name="Picture Placeholder 2"/>
+              <a:rPr lang="ru-RU"/>
+              <a:t>Образец заголовка</a:t>
+            </a:r>
+            <a:endParaRPr/>
+          </a:p>
+        </p:txBody>
+      </p:sp>
+      <p:sp>
+        <p:nvSpPr>
+          <p:cNvPr id="3" name="Рисунок 2"/>
           <p:cNvSpPr>
             <a:spLocks noChangeAspect="1" noGrp="1"/>
           </p:cNvSpPr>
           <p:nvPr>
-            <p:ph type="pic" idx="1"/>
+            <p:ph type="pic" idx="1" hasCustomPrompt="1"/>
           </p:nvPr>
         </p:nvSpPr>
         <p:spPr bwMode="auto">
           <a:xfrm>
-            <a:off x="3887391" y="987428"/>
-            <a:ext cx="4629150" cy="4873625"/>
+            <a:off x="0" y="0"/>
+            <a:ext cx="11292840" cy="5128923"/>
           </a:xfrm>
+          <a:prstGeom prst="rect">
+            <a:avLst/>
+          </a:prstGeom>
+          <a:solidFill>
+            <a:schemeClr val="accent1"/>
+          </a:solidFill>
         </p:spPr>
         <p:txBody>
-          <a:bodyPr anchor="t"/>
+          <a:bodyPr rtlCol="0" anchor="t"/>
           <a:lstStyle>
             <a:lvl1pPr marL="0" indent="0">
               <a:buNone/>
-              <a:defRPr sz="3200"/>
+              <a:defRPr sz="3200">
+                <a:solidFill>
+                  <a:schemeClr val="bg1"/>
+                </a:solidFill>
+              </a:defRPr>
             </a:lvl1pPr>
             <a:lvl2pPr marL="457200" indent="0">
               <a:buNone/>
@@ -2456,67 +2801,81 @@
               <a:defRPr/>
             </a:pPr>
             <a:r>
-              <a:rPr lang="en-US"/>
-              <a:t>Click icon to add picture</a:t>
-            </a:r>
-            <a:endParaRPr lang="en-US"/>
-          </a:p>
-        </p:txBody>
-      </p:sp>
-      <p:sp>
-        <p:nvSpPr>
-          <p:cNvPr id="4" name="Text Placeholder 3"/>
-          <p:cNvSpPr>
-            <a:spLocks noGrp="1"/>
-          </p:cNvSpPr>
-          <p:nvPr>
-            <p:ph type="body" sz="half" idx="2"/>
+              <a:rPr lang="ru-RU"/>
+              <a:t>Щелкните значок, чтобы добавить изображение</a:t>
+            </a:r>
+            <a:endParaRPr/>
+          </a:p>
+        </p:txBody>
+      </p:sp>
+      <p:sp>
+        <p:nvSpPr>
+          <p:cNvPr id="4" name="Текст 3"/>
+          <p:cNvSpPr>
+            <a:spLocks noGrp="1"/>
+          </p:cNvSpPr>
+          <p:nvPr>
+            <p:ph type="body" sz="half" idx="2" hasCustomPrompt="1"/>
           </p:nvPr>
         </p:nvSpPr>
         <p:spPr bwMode="auto">
           <a:xfrm>
-            <a:off x="629841" y="2057400"/>
-            <a:ext cx="2949178" cy="3811588"/>
+            <a:off x="914400" y="6108589"/>
+            <a:ext cx="9982200" cy="597011"/>
           </a:xfrm>
         </p:spPr>
         <p:txBody>
-          <a:bodyPr/>
+          <a:bodyPr rtlCol="0">
+            <a:normAutofit/>
+          </a:bodyPr>
           <a:lstStyle>
             <a:lvl1pPr marL="0" indent="0">
-              <a:buNone/>
-              <a:defRPr sz="1600"/>
+              <a:lnSpc>
+                <a:spcPct val="100000"/>
+              </a:lnSpc>
+              <a:spcBef>
+                <a:spcPts val="800"/>
+              </a:spcBef>
+              <a:buNone/>
+              <a:defRPr sz="1300">
+                <a:solidFill>
+                  <a:schemeClr val="bg1">
+                    <a:lumMod val="85000"/>
+                  </a:schemeClr>
+                </a:solidFill>
+              </a:defRPr>
             </a:lvl1pPr>
             <a:lvl2pPr marL="457200" indent="0">
               <a:buNone/>
-              <a:defRPr sz="1400"/>
+              <a:defRPr sz="1200"/>
             </a:lvl2pPr>
             <a:lvl3pPr marL="914400" indent="0">
               <a:buNone/>
-              <a:defRPr sz="1200"/>
+              <a:defRPr sz="1000"/>
             </a:lvl3pPr>
             <a:lvl4pPr marL="1371600" indent="0">
               <a:buNone/>
-              <a:defRPr sz="1000"/>
+              <a:defRPr sz="900"/>
             </a:lvl4pPr>
             <a:lvl5pPr marL="1828800" indent="0">
               <a:buNone/>
-              <a:defRPr sz="1000"/>
+              <a:defRPr sz="900"/>
             </a:lvl5pPr>
             <a:lvl6pPr marL="2286000" indent="0">
               <a:buNone/>
-              <a:defRPr sz="1000"/>
+              <a:defRPr sz="900"/>
             </a:lvl6pPr>
             <a:lvl7pPr marL="2743200" indent="0">
               <a:buNone/>
-              <a:defRPr sz="1000"/>
+              <a:defRPr sz="900"/>
             </a:lvl7pPr>
             <a:lvl8pPr marL="3200400" indent="0">
               <a:buNone/>
-              <a:defRPr sz="1000"/>
+              <a:defRPr sz="900"/>
             </a:lvl8pPr>
             <a:lvl9pPr marL="3657600" indent="0">
               <a:buNone/>
-              <a:defRPr sz="1000"/>
+              <a:defRPr sz="900"/>
             </a:lvl9pPr>
           </a:lstStyle>
           <a:p>
@@ -2524,16 +2883,16 @@
               <a:defRPr/>
             </a:pPr>
             <a:r>
-              <a:rPr lang="en-US"/>
-              <a:t>Click to edit Master text styles</a:t>
-            </a:r>
-            <a:endParaRPr/>
-          </a:p>
-        </p:txBody>
-      </p:sp>
-      <p:sp>
-        <p:nvSpPr>
-          <p:cNvPr id="5" name="Date Placeholder 4"/>
+              <a:rPr lang="ru-RU"/>
+              <a:t>Щелкните, чтобы изменить стили текста образца слайда</a:t>
+            </a:r>
+            <a:endParaRPr/>
+          </a:p>
+        </p:txBody>
+      </p:sp>
+      <p:sp>
+        <p:nvSpPr>
+          <p:cNvPr id="5" name="Дата 4"/>
           <p:cNvSpPr>
             <a:spLocks noGrp="1"/>
           </p:cNvSpPr>
@@ -2543,23 +2902,23 @@
         </p:nvSpPr>
         <p:spPr bwMode="auto"/>
         <p:txBody>
-          <a:bodyPr/>
+          <a:bodyPr rtlCol="0"/>
           <a:lstStyle/>
           <a:p>
             <a:pPr>
               <a:defRPr/>
             </a:pPr>
-            <a:fld id="{1DBD9794-A4CC-42D0-9A65-24C6B9EF4076}" type="datetimeFigureOut">
-              <a:rPr lang="en-US"/>
+            <a:fld id="{9B548A18-9E87-43F8-A1C0-3FC74948BE65}" type="datetime1">
+              <a:rPr lang="ru-RU"/>
               <a:t/>
             </a:fld>
-            <a:endParaRPr lang="en-US"/>
-          </a:p>
-        </p:txBody>
-      </p:sp>
-      <p:sp>
-        <p:nvSpPr>
-          <p:cNvPr id="6" name="Footer Placeholder 5"/>
+            <a:endParaRPr lang="ru-RU"/>
+          </a:p>
+        </p:txBody>
+      </p:sp>
+      <p:sp>
+        <p:nvSpPr>
+          <p:cNvPr id="6" name="Нижний колонтитул 5"/>
           <p:cNvSpPr>
             <a:spLocks noGrp="1"/>
           </p:cNvSpPr>
@@ -2569,19 +2928,19 @@
         </p:nvSpPr>
         <p:spPr bwMode="auto"/>
         <p:txBody>
-          <a:bodyPr/>
+          <a:bodyPr rtlCol="0"/>
           <a:lstStyle/>
           <a:p>
             <a:pPr>
               <a:defRPr/>
             </a:pPr>
-            <a:endParaRPr lang="en-US"/>
-          </a:p>
-        </p:txBody>
-      </p:sp>
-      <p:sp>
-        <p:nvSpPr>
-          <p:cNvPr id="7" name="Slide Number Placeholder 6"/>
+            <a:endParaRPr lang="ru-RU"/>
+          </a:p>
+        </p:txBody>
+      </p:sp>
+      <p:sp>
+        <p:nvSpPr>
+          <p:cNvPr id="7" name="Номер слайда 6"/>
           <p:cNvSpPr>
             <a:spLocks noGrp="1"/>
           </p:cNvSpPr>
@@ -2591,17 +2950,17 @@
         </p:nvSpPr>
         <p:spPr bwMode="auto"/>
         <p:txBody>
-          <a:bodyPr/>
+          <a:bodyPr rtlCol="0"/>
           <a:lstStyle/>
           <a:p>
             <a:pPr>
               <a:defRPr/>
             </a:pPr>
-            <a:fld id="{1FE8DF1E-33BB-4377-9A26-35481BA06C7C}" type="slidenum">
-              <a:rPr lang="en-US"/>
+            <a:fld id="{4FAB73BC-B049-4115-A692-8D63A059BFB8}" type="slidenum">
+              <a:rPr lang="ru-RU"/>
               <a:t/>
             </a:fld>
-            <a:endParaRPr lang="en-US"/>
+            <a:endParaRPr lang="ru-RU"/>
           </a:p>
         </p:txBody>
       </p:sp>
@@ -2635,31 +2994,85 @@
           <a:chExt cx="0" cy="0"/>
         </a:xfrm>
       </p:grpSpPr>
-      <p:pic>
-        <p:nvPicPr>
-          <p:cNvPr id="7" name="Рисунок 6"/>
-          <p:cNvPicPr>
-            <a:picLocks noChangeAspect="1"/>
-          </p:cNvPicPr>
-          <p:nvPr userDrawn="1"/>
-        </p:nvPicPr>
-        <p:blipFill>
-          <a:blip r:embed="rId13"/>
-          <a:stretch/>
-        </p:blipFill>
+      <p:sp>
+        <p:nvSpPr>
+          <p:cNvPr id="7" name="Прямоугольник 6"/>
+          <p:cNvSpPr/>
+          <p:nvPr/>
+        </p:nvSpPr>
         <p:spPr bwMode="auto">
           <a:xfrm>
-            <a:off x="0" y="0"/>
-            <a:ext cx="9144000" cy="6858000"/>
+            <a:off x="11292840" y="0"/>
+            <a:ext cx="914400" cy="6858000"/>
+          </a:xfrm>
+          <a:prstGeom prst="rect">
+            <a:avLst/>
+          </a:prstGeom>
+          <a:solidFill>
+            <a:schemeClr val="tx2">
+              <a:lumMod val="75000"/>
+            </a:schemeClr>
+          </a:solidFill>
+          <a:ln>
+            <a:noFill/>
+          </a:ln>
+        </p:spPr>
+        <p:style>
+          <a:lnRef idx="2">
+            <a:schemeClr val="accent1">
+              <a:shade val="50000"/>
+            </a:schemeClr>
+          </a:lnRef>
+          <a:fillRef idx="1">
+            <a:schemeClr val="accent1"/>
+          </a:fillRef>
+          <a:effectRef idx="0">
+            <a:schemeClr val="accent1"/>
+          </a:effectRef>
+          <a:fontRef idx="minor">
+            <a:schemeClr val="lt1"/>
+          </a:fontRef>
+        </p:style>
+      </p:sp>
+      <p:sp>
+        <p:nvSpPr>
+          <p:cNvPr id="2" name="Заголовок 1"/>
+          <p:cNvSpPr>
+            <a:spLocks noGrp="1"/>
+          </p:cNvSpPr>
+          <p:nvPr>
+            <p:ph type="title"/>
+          </p:nvPr>
+        </p:nvSpPr>
+        <p:spPr bwMode="auto">
+          <a:xfrm>
+            <a:off x="1261872" y="365760"/>
+            <a:ext cx="9692640" cy="1325562"/>
           </a:xfrm>
           <a:prstGeom prst="rect">
             <a:avLst/>
           </a:prstGeom>
         </p:spPr>
-      </p:pic>
-      <p:sp>
-        <p:nvSpPr>
-          <p:cNvPr id="3" name="Text Placeholder 2"/>
+        <p:txBody>
+          <a:bodyPr vert="horz" lIns="91440" tIns="45720" rIns="91440" bIns="45720" rtlCol="0" anchor="b">
+            <a:normAutofit/>
+          </a:bodyPr>
+          <a:lstStyle/>
+          <a:p>
+            <a:pPr>
+              <a:defRPr/>
+            </a:pPr>
+            <a:r>
+              <a:rPr lang="ru-RU"/>
+              <a:t>Образец заголовка</a:t>
+            </a:r>
+            <a:endParaRPr/>
+          </a:p>
+        </p:txBody>
+      </p:sp>
+      <p:sp>
+        <p:nvSpPr>
+          <p:cNvPr id="3" name="Текст 2"/>
           <p:cNvSpPr>
             <a:spLocks noGrp="1"/>
           </p:cNvSpPr>
@@ -2669,8 +3082,8 @@
         </p:nvSpPr>
         <p:spPr bwMode="auto">
           <a:xfrm>
-            <a:off x="645459" y="1465729"/>
-            <a:ext cx="7869891" cy="4711234"/>
+            <a:off x="1261872" y="1828800"/>
+            <a:ext cx="8595360" cy="4351337"/>
           </a:xfrm>
           <a:prstGeom prst="rect">
             <a:avLst/>
@@ -2686,8 +3099,8 @@
               <a:defRPr/>
             </a:pPr>
             <a:r>
-              <a:rPr lang="en-US"/>
-              <a:t>Click to edit Master text styles</a:t>
+              <a:rPr lang="ru-RU"/>
+              <a:t>Щелкните, чтобы изменить стили текста образца слайда</a:t>
             </a:r>
             <a:endParaRPr/>
           </a:p>
@@ -2696,8 +3109,8 @@
               <a:defRPr/>
             </a:pPr>
             <a:r>
-              <a:rPr lang="en-US"/>
-              <a:t>Second level</a:t>
+              <a:rPr lang="ru-RU"/>
+              <a:t>Второй уровень</a:t>
             </a:r>
             <a:endParaRPr/>
           </a:p>
@@ -2706,8 +3119,8 @@
               <a:defRPr/>
             </a:pPr>
             <a:r>
-              <a:rPr lang="en-US"/>
-              <a:t>Third level</a:t>
+              <a:rPr lang="ru-RU"/>
+              <a:t>Третий уровень</a:t>
             </a:r>
             <a:endParaRPr/>
           </a:p>
@@ -2716,8 +3129,8 @@
               <a:defRPr/>
             </a:pPr>
             <a:r>
-              <a:rPr lang="en-US"/>
-              <a:t>Fourth level</a:t>
+              <a:rPr lang="ru-RU"/>
+              <a:t>Четвертый уровень</a:t>
             </a:r>
             <a:endParaRPr/>
           </a:p>
@@ -2726,16 +3139,16 @@
               <a:defRPr/>
             </a:pPr>
             <a:r>
-              <a:rPr lang="en-US"/>
-              <a:t>Fifth level</a:t>
-            </a:r>
-            <a:endParaRPr lang="en-US"/>
-          </a:p>
-        </p:txBody>
-      </p:sp>
-      <p:sp>
-        <p:nvSpPr>
-          <p:cNvPr id="4" name="Date Placeholder 3"/>
+              <a:rPr lang="ru-RU"/>
+              <a:t>Пятый уровень</a:t>
+            </a:r>
+            <a:endParaRPr/>
+          </a:p>
+        </p:txBody>
+      </p:sp>
+      <p:sp>
+        <p:nvSpPr>
+          <p:cNvPr id="4" name="Дата 3"/>
           <p:cNvSpPr>
             <a:spLocks noGrp="1"/>
           </p:cNvSpPr>
@@ -2744,9 +3157,9 @@
           </p:nvPr>
         </p:nvSpPr>
         <p:spPr bwMode="auto">
-          <a:xfrm>
-            <a:off x="628650" y="6356353"/>
-            <a:ext cx="2057400" cy="365125"/>
+          <a:xfrm rot="16199999">
+            <a:off x="10797542" y="998537"/>
+            <a:ext cx="1904999" cy="365125"/>
           </a:xfrm>
           <a:prstGeom prst="rect">
             <a:avLst/>
@@ -2755,11 +3168,12 @@
         <p:txBody>
           <a:bodyPr vert="horz" lIns="91440" tIns="45720" rIns="91440" bIns="45720" rtlCol="0" anchor="ctr"/>
           <a:lstStyle>
-            <a:lvl1pPr algn="l">
-              <a:defRPr sz="1200">
+            <a:lvl1pPr algn="r">
+              <a:defRPr sz="1050" b="0">
                 <a:solidFill>
-                  <a:schemeClr val="tx1">
-                    <a:tint val="75000"/>
+                  <a:schemeClr val="tx2">
+                    <a:lumMod val="20000"/>
+                    <a:lumOff val="80000"/>
                   </a:schemeClr>
                 </a:solidFill>
               </a:defRPr>
@@ -2769,17 +3183,17 @@
             <a:pPr>
               <a:defRPr/>
             </a:pPr>
-            <a:fld id="{1DBD9794-A4CC-42D0-9A65-24C6B9EF4076}" type="datetimeFigureOut">
-              <a:rPr lang="en-US"/>
+            <a:fld id="{D299D950-0B36-4B3E-8BAE-8806AC771179}" type="datetime1">
+              <a:rPr lang="ru-RU"/>
               <a:t/>
             </a:fld>
-            <a:endParaRPr lang="en-US"/>
-          </a:p>
-        </p:txBody>
-      </p:sp>
-      <p:sp>
-        <p:nvSpPr>
-          <p:cNvPr id="5" name="Footer Placeholder 4"/>
+            <a:endParaRPr lang="ru-RU"/>
+          </a:p>
+        </p:txBody>
+      </p:sp>
+      <p:sp>
+        <p:nvSpPr>
+          <p:cNvPr id="5" name="Нижний колонтитул 4"/>
           <p:cNvSpPr>
             <a:spLocks noGrp="1"/>
           </p:cNvSpPr>
@@ -2788,9 +3202,9 @@
           </p:nvPr>
         </p:nvSpPr>
         <p:spPr bwMode="auto">
-          <a:xfrm>
-            <a:off x="3028950" y="6356353"/>
-            <a:ext cx="3086100" cy="365125"/>
+          <a:xfrm rot="16199999">
+            <a:off x="9959341" y="4046537"/>
+            <a:ext cx="3581400" cy="365125"/>
           </a:xfrm>
           <a:prstGeom prst="rect">
             <a:avLst/>
@@ -2799,11 +3213,12 @@
         <p:txBody>
           <a:bodyPr vert="horz" lIns="91440" tIns="45720" rIns="91440" bIns="45720" rtlCol="0" anchor="ctr"/>
           <a:lstStyle>
-            <a:lvl1pPr algn="ctr">
-              <a:defRPr sz="1200">
+            <a:lvl1pPr algn="l">
+              <a:defRPr sz="1050">
                 <a:solidFill>
-                  <a:schemeClr val="tx1">
-                    <a:tint val="75000"/>
+                  <a:schemeClr val="tx2">
+                    <a:lumMod val="20000"/>
+                    <a:lumOff val="80000"/>
                   </a:schemeClr>
                 </a:solidFill>
               </a:defRPr>
@@ -2813,13 +3228,13 @@
             <a:pPr>
               <a:defRPr/>
             </a:pPr>
-            <a:endParaRPr lang="en-US"/>
-          </a:p>
-        </p:txBody>
-      </p:sp>
-      <p:sp>
-        <p:nvSpPr>
-          <p:cNvPr id="6" name="Slide Number Placeholder 5"/>
+            <a:endParaRPr lang="ru-RU"/>
+          </a:p>
+        </p:txBody>
+      </p:sp>
+      <p:sp>
+        <p:nvSpPr>
+          <p:cNvPr id="6" name="Номер слайда 5"/>
           <p:cNvSpPr>
             <a:spLocks noGrp="1"/>
           </p:cNvSpPr>
@@ -2829,21 +3244,24 @@
         </p:nvSpPr>
         <p:spPr bwMode="auto">
           <a:xfrm>
-            <a:off x="6457950" y="6356353"/>
-            <a:ext cx="2057400" cy="365125"/>
+            <a:off x="11292840" y="6172200"/>
+            <a:ext cx="914400" cy="593725"/>
           </a:xfrm>
           <a:prstGeom prst="rect">
             <a:avLst/>
           </a:prstGeom>
         </p:spPr>
         <p:txBody>
-          <a:bodyPr vert="horz" lIns="91440" tIns="45720" rIns="91440" bIns="45720" rtlCol="0" anchor="ctr"/>
+          <a:bodyPr vert="horz" lIns="45720" tIns="45720" rIns="45720" bIns="45720" rtlCol="0" anchor="ctr">
+            <a:normAutofit/>
+          </a:bodyPr>
           <a:lstStyle>
-            <a:lvl1pPr algn="r">
-              <a:defRPr sz="1200">
+            <a:lvl1pPr algn="ctr">
+              <a:defRPr sz="3600">
                 <a:solidFill>
-                  <a:schemeClr val="tx1">
-                    <a:tint val="75000"/>
+                  <a:schemeClr val="tx2">
+                    <a:lumMod val="60000"/>
+                    <a:lumOff val="40000"/>
                   </a:schemeClr>
                 </a:solidFill>
               </a:defRPr>
@@ -2853,47 +3271,11 @@
             <a:pPr>
               <a:defRPr/>
             </a:pPr>
-            <a:fld id="{1FE8DF1E-33BB-4377-9A26-35481BA06C7C}" type="slidenum">
-              <a:rPr lang="en-US"/>
+            <a:fld id="{4FAB73BC-B049-4115-A692-8D63A059BFB8}" type="slidenum">
+              <a:rPr lang="ru-RU"/>
               <a:t/>
             </a:fld>
-            <a:endParaRPr lang="en-US"/>
-          </a:p>
-        </p:txBody>
-      </p:sp>
-      <p:sp>
-        <p:nvSpPr>
-          <p:cNvPr id="2" name="Title Placeholder 1"/>
-          <p:cNvSpPr>
-            <a:spLocks noGrp="1"/>
-          </p:cNvSpPr>
-          <p:nvPr>
-            <p:ph type="title"/>
-          </p:nvPr>
-        </p:nvSpPr>
-        <p:spPr bwMode="auto">
-          <a:xfrm>
-            <a:off x="658906" y="1"/>
-            <a:ext cx="7839635" cy="1337732"/>
-          </a:xfrm>
-          <a:prstGeom prst="rect">
-            <a:avLst/>
-          </a:prstGeom>
-        </p:spPr>
-        <p:txBody>
-          <a:bodyPr vert="horz" lIns="91440" tIns="45720" rIns="91440" bIns="45720" rtlCol="0" anchor="ctr">
-            <a:normAutofit/>
-          </a:bodyPr>
-          <a:lstStyle/>
-          <a:p>
-            <a:pPr>
-              <a:defRPr/>
-            </a:pPr>
-            <a:r>
-              <a:rPr lang="en-US"/>
-              <a:t>Click to edit Master title style</a:t>
-            </a:r>
-            <a:endParaRPr lang="en-US"/>
+            <a:endParaRPr lang="ru-RU"/>
           </a:p>
         </p:txBody>
       </p:sp>
@@ -2913,6 +3295,7 @@
     <p:sldLayoutId id="2147483658" r:id="rId10"/>
     <p:sldLayoutId id="2147483659" r:id="rId11"/>
   </p:sldLayoutIdLst>
+  <p:hf dt="0" ftr="0" hdr="0" sldNum="0"/>
   <p:txStyles>
     <p:titleStyle>
       <a:lvl1pPr algn="l" defTabSz="914400">
@@ -2923,7 +3306,7 @@
           <a:spcPts val="0"/>
         </a:spcBef>
         <a:buNone/>
-        <a:defRPr sz="4000">
+        <a:defRPr sz="4400" spc="-50">
           <a:solidFill>
             <a:schemeClr val="tx1"/>
           </a:solidFill>
@@ -2934,16 +3317,23 @@
       </a:lvl1pPr>
     </p:titleStyle>
     <p:bodyStyle>
-      <a:lvl1pPr marL="228600" indent="-228600" algn="l" defTabSz="914400">
+      <a:lvl1pPr marL="182880" indent="-182880" algn="l" defTabSz="914400">
         <a:lnSpc>
-          <a:spcPct val="90000"/>
+          <a:spcPct val="95000"/>
         </a:lnSpc>
         <a:spcBef>
-          <a:spcPts val="1000"/>
+          <a:spcPts val="1400"/>
         </a:spcBef>
+        <a:spcAft>
+          <a:spcPts val="200"/>
+        </a:spcAft>
+        <a:buClr>
+          <a:schemeClr val="accent1"/>
+        </a:buClr>
+        <a:buSzPct val="80000"/>
         <a:buFont typeface="Arial"/>
         <a:buChar char="•"/>
-        <a:defRPr sz="2800">
+        <a:defRPr sz="1800" spc="10">
           <a:solidFill>
             <a:schemeClr val="tx1"/>
           </a:solidFill>
@@ -2952,144 +3342,216 @@
           <a:cs typeface="+mn-cs"/>
         </a:defRPr>
       </a:lvl1pPr>
-      <a:lvl2pPr marL="685800" indent="-228600" algn="l" defTabSz="914400">
+      <a:lvl2pPr marL="457200" indent="-182880" algn="l" defTabSz="914400">
         <a:lnSpc>
           <a:spcPct val="90000"/>
         </a:lnSpc>
         <a:spcBef>
-          <a:spcPts val="500"/>
+          <a:spcPts val="300"/>
         </a:spcBef>
-        <a:buFont typeface="Arial"/>
-        <a:buChar char="•"/>
-        <a:defRPr sz="2400">
+        <a:spcAft>
+          <a:spcPts val="300"/>
+        </a:spcAft>
+        <a:buClr>
+          <a:schemeClr val="accent1"/>
+        </a:buClr>
+        <a:buFont typeface="Wingdings 2"/>
+        <a:buChar char=""/>
+        <a:defRPr sz="1600">
           <a:solidFill>
-            <a:schemeClr val="tx1"/>
+            <a:schemeClr val="tx1">
+              <a:lumMod val="85000"/>
+              <a:lumOff val="15000"/>
+            </a:schemeClr>
           </a:solidFill>
           <a:latin typeface="+mn-lt"/>
           <a:ea typeface="+mn-ea"/>
           <a:cs typeface="+mn-cs"/>
         </a:defRPr>
       </a:lvl2pPr>
-      <a:lvl3pPr marL="1143000" indent="-228600" algn="l" defTabSz="914400">
+      <a:lvl3pPr marL="731520" indent="-182880" algn="l" defTabSz="914400">
         <a:lnSpc>
           <a:spcPct val="90000"/>
         </a:lnSpc>
         <a:spcBef>
-          <a:spcPts val="500"/>
+          <a:spcPts val="300"/>
         </a:spcBef>
-        <a:buFont typeface="Arial"/>
-        <a:buChar char="•"/>
-        <a:defRPr sz="2000">
+        <a:spcAft>
+          <a:spcPts val="300"/>
+        </a:spcAft>
+        <a:buClr>
+          <a:schemeClr val="accent1"/>
+        </a:buClr>
+        <a:buFont typeface="Wingdings 2"/>
+        <a:buChar char=""/>
+        <a:defRPr sz="1400">
           <a:solidFill>
-            <a:schemeClr val="tx1"/>
+            <a:schemeClr val="tx1">
+              <a:lumMod val="85000"/>
+              <a:lumOff val="15000"/>
+            </a:schemeClr>
           </a:solidFill>
           <a:latin typeface="+mn-lt"/>
           <a:ea typeface="+mn-ea"/>
           <a:cs typeface="+mn-cs"/>
         </a:defRPr>
       </a:lvl3pPr>
-      <a:lvl4pPr marL="1600200" indent="-228600" algn="l" defTabSz="914400">
+      <a:lvl4pPr marL="1005840" indent="-182880" algn="l" defTabSz="914400">
         <a:lnSpc>
           <a:spcPct val="90000"/>
         </a:lnSpc>
         <a:spcBef>
-          <a:spcPts val="500"/>
+          <a:spcPts val="300"/>
         </a:spcBef>
-        <a:buFont typeface="Arial"/>
-        <a:buChar char="•"/>
-        <a:defRPr sz="1800">
+        <a:spcAft>
+          <a:spcPts val="300"/>
+        </a:spcAft>
+        <a:buClr>
+          <a:schemeClr val="accent1"/>
+        </a:buClr>
+        <a:buFont typeface="Wingdings 2"/>
+        <a:buChar char=""/>
+        <a:defRPr sz="1400">
           <a:solidFill>
-            <a:schemeClr val="tx1"/>
+            <a:schemeClr val="tx1">
+              <a:lumMod val="85000"/>
+              <a:lumOff val="15000"/>
+            </a:schemeClr>
           </a:solidFill>
           <a:latin typeface="+mn-lt"/>
           <a:ea typeface="+mn-ea"/>
           <a:cs typeface="+mn-cs"/>
         </a:defRPr>
       </a:lvl4pPr>
-      <a:lvl5pPr marL="2057400" indent="-228600" algn="l" defTabSz="914400">
+      <a:lvl5pPr marL="1280160" indent="-182880" algn="l" defTabSz="914400">
         <a:lnSpc>
           <a:spcPct val="90000"/>
         </a:lnSpc>
         <a:spcBef>
-          <a:spcPts val="500"/>
+          <a:spcPts val="300"/>
         </a:spcBef>
-        <a:buFont typeface="Arial"/>
-        <a:buChar char="•"/>
-        <a:defRPr sz="1800">
+        <a:spcAft>
+          <a:spcPts val="300"/>
+        </a:spcAft>
+        <a:buClr>
+          <a:schemeClr val="accent1"/>
+        </a:buClr>
+        <a:buFont typeface="Wingdings 2"/>
+        <a:buChar char=""/>
+        <a:defRPr sz="1400">
           <a:solidFill>
-            <a:schemeClr val="tx1"/>
+            <a:schemeClr val="tx1">
+              <a:lumMod val="85000"/>
+              <a:lumOff val="15000"/>
+            </a:schemeClr>
           </a:solidFill>
           <a:latin typeface="+mn-lt"/>
           <a:ea typeface="+mn-ea"/>
           <a:cs typeface="+mn-cs"/>
         </a:defRPr>
       </a:lvl5pPr>
-      <a:lvl6pPr marL="2514600" indent="-228600" algn="l" defTabSz="914400">
+      <a:lvl6pPr marL="1600000" indent="-228600" algn="l" defTabSz="914400">
         <a:lnSpc>
           <a:spcPct val="90000"/>
         </a:lnSpc>
         <a:spcBef>
-          <a:spcPts val="500"/>
+          <a:spcPts val="300"/>
         </a:spcBef>
-        <a:buFont typeface="Arial"/>
-        <a:buChar char="•"/>
-        <a:defRPr sz="1800">
+        <a:spcAft>
+          <a:spcPts val="300"/>
+        </a:spcAft>
+        <a:buClr>
+          <a:schemeClr val="accent1"/>
+        </a:buClr>
+        <a:buFont typeface="Wingdings 2"/>
+        <a:buChar char=""/>
+        <a:defRPr sz="1400">
           <a:solidFill>
-            <a:schemeClr val="tx1"/>
+            <a:schemeClr val="tx1">
+              <a:lumMod val="85000"/>
+              <a:lumOff val="15000"/>
+            </a:schemeClr>
           </a:solidFill>
           <a:latin typeface="+mn-lt"/>
           <a:ea typeface="+mn-ea"/>
           <a:cs typeface="+mn-cs"/>
         </a:defRPr>
       </a:lvl6pPr>
-      <a:lvl7pPr marL="2971800" indent="-228600" algn="l" defTabSz="914400">
+      <a:lvl7pPr marL="1900000" indent="-228600" algn="l" defTabSz="914400">
         <a:lnSpc>
           <a:spcPct val="90000"/>
         </a:lnSpc>
         <a:spcBef>
-          <a:spcPts val="500"/>
+          <a:spcPts val="300"/>
         </a:spcBef>
-        <a:buFont typeface="Arial"/>
-        <a:buChar char="•"/>
-        <a:defRPr sz="1800">
+        <a:spcAft>
+          <a:spcPts val="300"/>
+        </a:spcAft>
+        <a:buClr>
+          <a:schemeClr val="accent1"/>
+        </a:buClr>
+        <a:buFont typeface="Wingdings 2"/>
+        <a:buChar char=""/>
+        <a:defRPr sz="1400">
           <a:solidFill>
-            <a:schemeClr val="tx1"/>
+            <a:schemeClr val="tx1">
+              <a:lumMod val="85000"/>
+              <a:lumOff val="15000"/>
+            </a:schemeClr>
           </a:solidFill>
           <a:latin typeface="+mn-lt"/>
           <a:ea typeface="+mn-ea"/>
           <a:cs typeface="+mn-cs"/>
         </a:defRPr>
       </a:lvl7pPr>
-      <a:lvl8pPr marL="3429000" indent="-228600" algn="l" defTabSz="914400">
+      <a:lvl8pPr marL="2200000" indent="-228600" algn="l" defTabSz="914400">
         <a:lnSpc>
           <a:spcPct val="90000"/>
         </a:lnSpc>
         <a:spcBef>
-          <a:spcPts val="500"/>
+          <a:spcPts val="300"/>
         </a:spcBef>
-        <a:buFont typeface="Arial"/>
-        <a:buChar char="•"/>
-        <a:defRPr sz="1800">
+        <a:spcAft>
+          <a:spcPts val="300"/>
+        </a:spcAft>
+        <a:buClr>
+          <a:schemeClr val="accent1"/>
+        </a:buClr>
+        <a:buFont typeface="Wingdings 2"/>
+        <a:buChar char=""/>
+        <a:defRPr sz="1400">
           <a:solidFill>
-            <a:schemeClr val="tx1"/>
+            <a:schemeClr val="tx1">
+              <a:lumMod val="85000"/>
+              <a:lumOff val="15000"/>
+            </a:schemeClr>
           </a:solidFill>
           <a:latin typeface="+mn-lt"/>
           <a:ea typeface="+mn-ea"/>
           <a:cs typeface="+mn-cs"/>
         </a:defRPr>
       </a:lvl8pPr>
-      <a:lvl9pPr marL="3886200" indent="-228600" algn="l" defTabSz="914400">
+      <a:lvl9pPr marL="2500000" indent="-228600" algn="l" defTabSz="914400">
         <a:lnSpc>
           <a:spcPct val="90000"/>
         </a:lnSpc>
         <a:spcBef>
-          <a:spcPts val="500"/>
+          <a:spcPts val="300"/>
         </a:spcBef>
-        <a:buFont typeface="Arial"/>
-        <a:buChar char="•"/>
-        <a:defRPr sz="1800">
+        <a:spcAft>
+          <a:spcPts val="300"/>
+        </a:spcAft>
+        <a:buClr>
+          <a:schemeClr val="accent1"/>
+        </a:buClr>
+        <a:buFont typeface="Wingdings 2"/>
+        <a:buChar char=""/>
+        <a:defRPr sz="1400">
           <a:solidFill>
-            <a:schemeClr val="tx1"/>
+            <a:schemeClr val="tx1">
+              <a:lumMod val="85000"/>
+              <a:lumOff val="15000"/>
+            </a:schemeClr>
           </a:solidFill>
           <a:latin typeface="+mn-lt"/>
           <a:ea typeface="+mn-ea"/>
@@ -3197,137 +3659,98 @@
 </file>
 
 <file path=ppt/theme/theme1.xml><?xml version="1.0" encoding="utf-8"?>
-<a:theme xmlns:a="http://schemas.openxmlformats.org/drawingml/2006/main" xmlns:r="http://schemas.openxmlformats.org/officeDocument/2006/relationships" xmlns:p="http://schemas.openxmlformats.org/presentationml/2006/main" name="Office Theme">
+<a:theme xmlns:a="http://schemas.openxmlformats.org/drawingml/2006/main" xmlns:r="http://schemas.openxmlformats.org/officeDocument/2006/relationships" xmlns:p="http://schemas.openxmlformats.org/presentationml/2006/main" name="Вид">
   <a:themeElements>
-    <a:clrScheme name="Office Theme">
+    <a:clrScheme name="View">
       <a:dk1>
-        <a:sysClr val="windowText" lastClr="000000"/>
+        <a:srgbClr val="000000"/>
       </a:dk1>
       <a:lt1>
-        <a:sysClr val="window" lastClr="FFFFFF"/>
+        <a:srgbClr val="FFFFFF"/>
       </a:lt1>
       <a:dk2>
-        <a:srgbClr val="44546A"/>
+        <a:srgbClr val="46464A"/>
       </a:dk2>
       <a:lt2>
-        <a:srgbClr val="E7E6E6"/>
+        <a:srgbClr val="D6D3CC"/>
       </a:lt2>
       <a:accent1>
-        <a:srgbClr val="5B9BD5"/>
+        <a:srgbClr val="6F6F74"/>
       </a:accent1>
       <a:accent2>
-        <a:srgbClr val="ED7D31"/>
+        <a:srgbClr val="92A9B9"/>
       </a:accent2>
       <a:accent3>
-        <a:srgbClr val="A5A5A5"/>
+        <a:srgbClr val="A7B789"/>
       </a:accent3>
       <a:accent4>
-        <a:srgbClr val="FFC000"/>
+        <a:srgbClr val="B9A489"/>
       </a:accent4>
       <a:accent5>
-        <a:srgbClr val="4472C4"/>
+        <a:srgbClr val="8D6374"/>
       </a:accent5>
       <a:accent6>
-        <a:srgbClr val="70AD47"/>
+        <a:srgbClr val="9B7362"/>
       </a:accent6>
       <a:hlink>
-        <a:srgbClr val="0563C1"/>
+        <a:srgbClr val="67AABF"/>
       </a:hlink>
       <a:folHlink>
-        <a:srgbClr val="954F72"/>
+        <a:srgbClr val="ABAFA5"/>
       </a:folHlink>
     </a:clrScheme>
-    <a:fontScheme name="Office Theme">
+    <a:fontScheme name="View">
       <a:majorFont>
-        <a:latin typeface="Calibri Light"/>
+        <a:latin typeface="Century Schoolbook"/>
         <a:ea typeface="Arial"/>
         <a:cs typeface="Arial"/>
       </a:majorFont>
       <a:minorFont>
-        <a:latin typeface="Calibri"/>
+        <a:latin typeface="Century Schoolbook"/>
         <a:ea typeface="Arial"/>
         <a:cs typeface="Arial"/>
       </a:minorFont>
     </a:fontScheme>
-    <a:fmtScheme name="Office Theme">
+    <a:fmtScheme name="View">
       <a:fillStyleLst>
         <a:solidFill>
           <a:schemeClr val="phClr"/>
         </a:solidFill>
-        <a:gradFill>
-          <a:gsLst>
-            <a:gs pos="0">
-              <a:schemeClr val="phClr">
-                <a:lumMod val="110000"/>
-                <a:satMod val="105000"/>
-                <a:tint val="67000"/>
-              </a:schemeClr>
-            </a:gs>
-            <a:gs pos="50000">
-              <a:schemeClr val="phClr">
-                <a:lumMod val="105000"/>
-                <a:satMod val="103000"/>
-                <a:tint val="73000"/>
-              </a:schemeClr>
-            </a:gs>
-            <a:gs pos="100000">
-              <a:schemeClr val="phClr">
-                <a:lumMod val="105000"/>
-                <a:satMod val="109000"/>
-                <a:tint val="81000"/>
-              </a:schemeClr>
-            </a:gs>
-          </a:gsLst>
-          <a:lin ang="5400000" scaled="0"/>
-        </a:gradFill>
-        <a:gradFill>
-          <a:gsLst>
-            <a:gs pos="0">
-              <a:schemeClr val="phClr">
-                <a:satMod val="103000"/>
-                <a:lumMod val="102000"/>
-                <a:tint val="94000"/>
-              </a:schemeClr>
-            </a:gs>
-            <a:gs pos="50000">
-              <a:schemeClr val="phClr">
-                <a:satMod val="110000"/>
-                <a:lumMod val="100000"/>
-                <a:shade val="100000"/>
-              </a:schemeClr>
-            </a:gs>
-            <a:gs pos="100000">
-              <a:schemeClr val="phClr">
-                <a:lumMod val="99000"/>
-                <a:satMod val="120000"/>
-                <a:shade val="78000"/>
-              </a:schemeClr>
-            </a:gs>
-          </a:gsLst>
-          <a:lin ang="5400000" scaled="0"/>
-        </a:gradFill>
+        <a:solidFill>
+          <a:schemeClr val="phClr">
+            <a:tint val="60000"/>
+            <a:satMod val="120000"/>
+          </a:schemeClr>
+        </a:solidFill>
+        <a:solidFill>
+          <a:schemeClr val="phClr">
+            <a:shade val="75000"/>
+            <a:satMod val="160000"/>
+          </a:schemeClr>
+        </a:solidFill>
       </a:fillStyleLst>
       <a:lnStyleLst>
-        <a:ln w="6350" cap="flat" cmpd="sng" algn="ctr">
+        <a:ln w="9525" cap="flat" cmpd="sng" algn="ctr">
           <a:solidFill>
             <a:schemeClr val="phClr"/>
           </a:solidFill>
           <a:prstDash val="solid"/>
-          <a:miter lim="800000"/>
         </a:ln>
-        <a:ln w="12700" cap="flat" cmpd="sng" algn="ctr">
+        <a:ln w="13970" cap="flat" cmpd="sng" algn="ctr">
           <a:solidFill>
             <a:schemeClr val="phClr"/>
           </a:solidFill>
           <a:prstDash val="solid"/>
-          <a:miter lim="800000"/>
         </a:ln>
-        <a:ln w="19050" cap="flat" cmpd="sng" algn="ctr">
+        <a:ln w="17145" cap="flat" cmpd="sng" algn="ctr">
           <a:solidFill>
-            <a:schemeClr val="phClr"/>
+            <a:schemeClr val="phClr">
+              <a:shade val="95000"/>
+              <a:satMod val="150000"/>
+              <a:alpha val="95000"/>
+            </a:schemeClr>
           </a:solidFill>
           <a:prstDash val="solid"/>
-          <a:miter lim="800000"/>
         </a:ln>
       </a:lnStyleLst>
       <a:effectStyleLst>
@@ -3373,32 +3796,290 @@
           <a:gsLst>
             <a:gs pos="0">
               <a:schemeClr val="phClr">
-                <a:tint val="93000"/>
-                <a:satMod val="150000"/>
+                <a:tint val="94000"/>
                 <a:shade val="98000"/>
+                <a:satMod val="130000"/>
                 <a:lumMod val="102000"/>
-              </a:schemeClr>
-            </a:gs>
-            <a:gs pos="50000">
-              <a:schemeClr val="phClr">
-                <a:tint val="98000"/>
-                <a:satMod val="130000"/>
-                <a:shade val="90000"/>
-                <a:lumMod val="103000"/>
               </a:schemeClr>
             </a:gs>
             <a:gs pos="100000">
               <a:schemeClr val="phClr">
-                <a:shade val="63000"/>
-                <a:satMod val="120000"/>
+                <a:tint val="98000"/>
+                <a:shade val="78000"/>
+                <a:satMod val="140000"/>
               </a:schemeClr>
             </a:gs>
           </a:gsLst>
-          <a:lin ang="5400000" scaled="0"/>
+          <a:path path="circle"/>
         </a:gradFill>
       </a:bgFillStyleLst>
     </a:fmtScheme>
   </a:themeElements>
   <a:objectDefaults/>
 </a:theme>
+</file>
+
+<file path=customXml/item1.xml><?xml version="1.0" encoding="utf-8"?>
+<p:properties xmlns:p="http://schemas.microsoft.com/office/2006/metadata/properties" xmlns:xsi="http://www.w3.org/2001/XMLSchema-instance" xmlns:pc="http://schemas.microsoft.com/office/infopath/2007/PartnerControls">
+  <documentManagement>
+    <MediaServiceKeyPoints xmlns="71af3243-3dd4-4a8d-8c0d-dd76da1f02a5" xsi:nil="true"/>
+  </documentManagement>
+</p:properties>
+</file>
+
+<file path=customXml/item2.xml><?xml version="1.0" encoding="utf-8"?>
+<?mso-contentType ?>
+<FormTemplates xmlns="http://schemas.microsoft.com/sharepoint/v3/contenttype/forms">
+  <Display>DocumentLibraryForm</Display>
+  <Edit>DocumentLibraryForm</Edit>
+  <New>DocumentLibraryForm</New>
+</FormTemplates>
+</file>
+
+<file path=customXml/item3.xml><?xml version="1.0" encoding="utf-8"?>
+<ct:contentTypeSchema xmlns:ct="http://schemas.microsoft.com/office/2006/metadata/contentType" xmlns:ma="http://schemas.microsoft.com/office/2006/metadata/properties/metaAttributes" ct:_="" ma:_="" ma:contentTypeName="Document" ma:contentTypeID="0x01010079F111ED35F8CC479449609E8A0923A6" ma:contentTypeVersion="11" ma:contentTypeDescription="Create a new document." ma:contentTypeScope="" ma:versionID="9677210f24a1be23c92c90fd886aa0aa">
+  <xsd:schema xmlns:xsd="http://www.w3.org/2001/XMLSchema" xmlns:xs="http://www.w3.org/2001/XMLSchema" xmlns:p="http://schemas.microsoft.com/office/2006/metadata/properties" xmlns:ns2="71af3243-3dd4-4a8d-8c0d-dd76da1f02a5" xmlns:ns3="16c05727-aa75-4e4a-9b5f-8a80a1165891" targetNamespace="http://schemas.microsoft.com/office/2006/metadata/properties" ma:root="true" ma:fieldsID="60e05723c5c1908df1a1a4ebf11d344e" ns2:_="" ns3:_="">
+    <xsd:import namespace="71af3243-3dd4-4a8d-8c0d-dd76da1f02a5"/>
+    <xsd:import namespace="16c05727-aa75-4e4a-9b5f-8a80a1165891"/>
+    <xsd:element name="properties">
+      <xsd:complexType>
+        <xsd:sequence>
+          <xsd:element name="documentManagement">
+            <xsd:complexType>
+              <xsd:all>
+                <xsd:element ref="ns2:MediaServiceMetadata" minOccurs="0"/>
+                <xsd:element ref="ns2:MediaServiceFastMetadata" minOccurs="0"/>
+                <xsd:element ref="ns2:MediaServiceOCR" minOccurs="0"/>
+                <xsd:element ref="ns2:MediaServiceAutoTags" minOccurs="0"/>
+                <xsd:element ref="ns2:MediaServiceEventHashCode" minOccurs="0"/>
+                <xsd:element ref="ns2:MediaServiceGenerationTime" minOccurs="0"/>
+                <xsd:element ref="ns3:SharedWithUsers" minOccurs="0"/>
+                <xsd:element ref="ns3:SharedWithDetails" minOccurs="0"/>
+                <xsd:element ref="ns2:MediaServiceAutoKeyPoints" minOccurs="0"/>
+                <xsd:element ref="ns2:MediaServiceKeyPoints" minOccurs="0"/>
+                <xsd:element ref="ns2:MediaServiceDateTaken" minOccurs="0"/>
+              </xsd:all>
+            </xsd:complexType>
+          </xsd:element>
+        </xsd:sequence>
+      </xsd:complexType>
+    </xsd:element>
+  </xsd:schema>
+  <xsd:schema xmlns:xsd="http://www.w3.org/2001/XMLSchema" xmlns:xs="http://www.w3.org/2001/XMLSchema" xmlns:dms="http://schemas.microsoft.com/office/2006/documentManagement/types" xmlns:pc="http://schemas.microsoft.com/office/infopath/2007/PartnerControls" targetNamespace="71af3243-3dd4-4a8d-8c0d-dd76da1f02a5" elementFormDefault="qualified">
+    <xsd:import namespace="http://schemas.microsoft.com/office/2006/documentManagement/types"/>
+    <xsd:import namespace="http://schemas.microsoft.com/office/infopath/2007/PartnerControls"/>
+    <xsd:element name="MediaServiceMetadata" ma:index="8" nillable="true" ma:displayName="MediaServiceMetadata" ma:hidden="true" ma:internalName="MediaServiceMetadata" ma:readOnly="true">
+      <xsd:simpleType>
+        <xsd:restriction base="dms:Note"/>
+      </xsd:simpleType>
+    </xsd:element>
+    <xsd:element name="MediaServiceFastMetadata" ma:index="9" nillable="true" ma:displayName="MediaServiceFastMetadata" ma:hidden="true" ma:internalName="MediaServiceFastMetadata" ma:readOnly="true">
+      <xsd:simpleType>
+        <xsd:restriction base="dms:Note"/>
+      </xsd:simpleType>
+    </xsd:element>
+    <xsd:element name="MediaServiceOCR" ma:index="10" nillable="true" ma:displayName="MediaServiceOCR" ma:internalName="MediaServiceOCR" ma:readOnly="true">
+      <xsd:simpleType>
+        <xsd:restriction base="dms:Note">
+          <xsd:maxLength value="255"/>
+        </xsd:restriction>
+      </xsd:simpleType>
+    </xsd:element>
+    <xsd:element name="MediaServiceAutoTags" ma:index="11" nillable="true" ma:displayName="MediaServiceAutoTags" ma:internalName="MediaServiceAutoTags" ma:readOnly="true">
+      <xsd:simpleType>
+        <xsd:restriction base="dms:Text"/>
+      </xsd:simpleType>
+    </xsd:element>
+    <xsd:element name="MediaServiceEventHashCode" ma:index="12" nillable="true" ma:displayName="MediaServiceEventHashCode" ma:hidden="true" ma:internalName="MediaServiceEventHashCode" ma:readOnly="true">
+      <xsd:simpleType>
+        <xsd:restriction base="dms:Text"/>
+      </xsd:simpleType>
+    </xsd:element>
+    <xsd:element name="MediaServiceGenerationTime" ma:index="13" nillable="true" ma:displayName="MediaServiceGenerationTime" ma:hidden="true" ma:internalName="MediaServiceGenerationTime" ma:readOnly="true">
+      <xsd:simpleType>
+        <xsd:restriction base="dms:Text"/>
+      </xsd:simpleType>
+    </xsd:element>
+    <xsd:element name="MediaServiceAutoKeyPoints" ma:index="16" nillable="true" ma:displayName="MediaServiceAutoKeyPoints" ma:hidden="true" ma:internalName="MediaServiceAutoKeyPoints" ma:readOnly="true">
+      <xsd:simpleType>
+        <xsd:restriction base="dms:Note"/>
+      </xsd:simpleType>
+    </xsd:element>
+    <xsd:element name="MediaServiceKeyPoints" ma:index="17" nillable="true" ma:displayName="KeyPoints" ma:internalName="MediaServiceKeyPoints" ma:readOnly="false">
+      <xsd:simpleType>
+        <xsd:restriction base="dms:Note">
+          <xsd:maxLength value="255"/>
+        </xsd:restriction>
+      </xsd:simpleType>
+    </xsd:element>
+    <xsd:element name="MediaServiceDateTaken" ma:index="18" nillable="true" ma:displayName="MediaServiceDateTaken" ma:hidden="true" ma:internalName="MediaServiceDateTaken" ma:readOnly="true">
+      <xsd:simpleType>
+        <xsd:restriction base="dms:Text"/>
+      </xsd:simpleType>
+    </xsd:element>
+  </xsd:schema>
+  <xsd:schema xmlns:xsd="http://www.w3.org/2001/XMLSchema" xmlns:xs="http://www.w3.org/2001/XMLSchema" xmlns:dms="http://schemas.microsoft.com/office/2006/documentManagement/types" xmlns:pc="http://schemas.microsoft.com/office/infopath/2007/PartnerControls" targetNamespace="16c05727-aa75-4e4a-9b5f-8a80a1165891" elementFormDefault="qualified">
+    <xsd:import namespace="http://schemas.microsoft.com/office/2006/documentManagement/types"/>
+    <xsd:import namespace="http://schemas.microsoft.com/office/infopath/2007/PartnerControls"/>
+    <xsd:element name="SharedWithUsers" ma:index="14" nillable="true" ma:displayName="Shared With" ma:internalName="SharedWithUsers" ma:readOnly="true">
+      <xsd:complexType>
+        <xsd:complexContent>
+          <xsd:extension base="dms:UserMulti">
+            <xsd:sequence>
+              <xsd:element name="UserInfo" minOccurs="0" maxOccurs="unbounded">
+                <xsd:complexType>
+                  <xsd:sequence>
+                    <xsd:element name="DisplayName" type="xsd:string" minOccurs="0"/>
+                    <xsd:element name="AccountId" type="dms:UserId" minOccurs="0" nillable="true"/>
+                    <xsd:element name="AccountType" type="xsd:string" minOccurs="0"/>
+                  </xsd:sequence>
+                </xsd:complexType>
+              </xsd:element>
+            </xsd:sequence>
+          </xsd:extension>
+        </xsd:complexContent>
+      </xsd:complexType>
+    </xsd:element>
+    <xsd:element name="SharedWithDetails" ma:index="15" nillable="true" ma:displayName="Shared With Details" ma:internalName="SharedWithDetails" ma:readOnly="true">
+      <xsd:simpleType>
+        <xsd:restriction base="dms:Note">
+          <xsd:maxLength value="255"/>
+        </xsd:restriction>
+      </xsd:simpleType>
+    </xsd:element>
+  </xsd:schema>
+  <xsd:schema xmlns="http://schemas.openxmlformats.org/package/2006/metadata/core-properties" xmlns:xsd="http://www.w3.org/2001/XMLSchema" xmlns:xsi="http://www.w3.org/2001/XMLSchema-instance" xmlns:dc="http://purl.org/dc/elements/1.1/" xmlns:dcterms="http://purl.org/dc/terms/" xmlns:odoc="http://schemas.microsoft.com/internal/obd" targetNamespace="http://schemas.openxmlformats.org/package/2006/metadata/core-properties" elementFormDefault="qualified" attributeFormDefault="unqualified" blockDefault="#all">
+    <xsd:import namespace="http://purl.org/dc/elements/1.1/" schemaLocation="http://dublincore.org/schemas/xmls/qdc/2003/04/02/dc.xsd"/>
+    <xsd:import namespace="http://purl.org/dc/terms/" schemaLocation="http://dublincore.org/schemas/xmls/qdc/2003/04/02/dcterms.xsd"/>
+    <xsd:element name="coreProperties" type="CT_coreProperties"/>
+    <xsd:complexType name="CT_coreProperties">
+      <xsd:all>
+        <xsd:element ref="dc:creator" minOccurs="0" maxOccurs="1"/>
+        <xsd:element ref="dcterms:created" minOccurs="0" maxOccurs="1"/>
+        <xsd:element ref="dc:identifier" minOccurs="0" maxOccurs="1"/>
+        <xsd:element name="contentType" minOccurs="0" maxOccurs="1" type="xsd:string" ma:index="0" ma:displayName="Content Type"/>
+        <xsd:element ref="dc:title" minOccurs="0" maxOccurs="1" ma:index="4" ma:displayName="Title"/>
+        <xsd:element ref="dc:subject" minOccurs="0" maxOccurs="1"/>
+        <xsd:element ref="dc:description" minOccurs="0" maxOccurs="1"/>
+        <xsd:element name="keywords" minOccurs="0" maxOccurs="1" type="xsd:string"/>
+        <xsd:element ref="dc:language" minOccurs="0" maxOccurs="1"/>
+        <xsd:element name="category" minOccurs="0" maxOccurs="1" type="xsd:string"/>
+        <xsd:element name="version" minOccurs="0" maxOccurs="1" type="xsd:string"/>
+        <xsd:element name="revision" minOccurs="0" maxOccurs="1" type="xsd:string">
+          <xsd:annotation>
+            <xsd:documentation>
+                        This value indicates the number of saves or revisions. The application is responsible for updating this value after each revision.
+                    </xsd:documentation>
+          </xsd:annotation>
+        </xsd:element>
+        <xsd:element name="lastModifiedBy" minOccurs="0" maxOccurs="1" type="xsd:string"/>
+        <xsd:element ref="dcterms:modified" minOccurs="0" maxOccurs="1"/>
+        <xsd:element name="contentStatus" minOccurs="0" maxOccurs="1" type="xsd:string"/>
+      </xsd:all>
+    </xsd:complexType>
+  </xsd:schema>
+  <xs:schema xmlns:pc="http://schemas.microsoft.com/office/infopath/2007/PartnerControls" xmlns:xs="http://www.w3.org/2001/XMLSchema" targetNamespace="http://schemas.microsoft.com/office/infopath/2007/PartnerControls" elementFormDefault="qualified" attributeFormDefault="unqualified">
+    <xs:element name="Person">
+      <xs:complexType>
+        <xs:sequence>
+          <xs:element ref="pc:DisplayName" minOccurs="0"/>
+          <xs:element ref="pc:AccountId" minOccurs="0"/>
+          <xs:element ref="pc:AccountType" minOccurs="0"/>
+        </xs:sequence>
+      </xs:complexType>
+    </xs:element>
+    <xs:element name="DisplayName" type="xs:string"/>
+    <xs:element name="AccountId" type="xs:string"/>
+    <xs:element name="AccountType" type="xs:string"/>
+    <xs:element name="BDCAssociatedEntity">
+      <xs:complexType>
+        <xs:sequence>
+          <xs:element ref="pc:BDCEntity" minOccurs="0" maxOccurs="unbounded"/>
+        </xs:sequence>
+        <xs:attribute ref="pc:EntityNamespace"/>
+        <xs:attribute ref="pc:EntityName"/>
+        <xs:attribute ref="pc:SystemInstanceName"/>
+        <xs:attribute ref="pc:AssociationName"/>
+      </xs:complexType>
+    </xs:element>
+    <xs:attribute name="EntityNamespace" type="xs:string"/>
+    <xs:attribute name="EntityName" type="xs:string"/>
+    <xs:attribute name="SystemInstanceName" type="xs:string"/>
+    <xs:attribute name="AssociationName" type="xs:string"/>
+    <xs:element name="BDCEntity">
+      <xs:complexType>
+        <xs:sequence>
+          <xs:element ref="pc:EntityDisplayName" minOccurs="0"/>
+          <xs:element ref="pc:EntityInstanceReference" minOccurs="0"/>
+          <xs:element ref="pc:EntityId1" minOccurs="0"/>
+          <xs:element ref="pc:EntityId2" minOccurs="0"/>
+          <xs:element ref="pc:EntityId3" minOccurs="0"/>
+          <xs:element ref="pc:EntityId4" minOccurs="0"/>
+          <xs:element ref="pc:EntityId5" minOccurs="0"/>
+        </xs:sequence>
+      </xs:complexType>
+    </xs:element>
+    <xs:element name="EntityDisplayName" type="xs:string"/>
+    <xs:element name="EntityInstanceReference" type="xs:string"/>
+    <xs:element name="EntityId1" type="xs:string"/>
+    <xs:element name="EntityId2" type="xs:string"/>
+    <xs:element name="EntityId3" type="xs:string"/>
+    <xs:element name="EntityId4" type="xs:string"/>
+    <xs:element name="EntityId5" type="xs:string"/>
+    <xs:element name="Terms">
+      <xs:complexType>
+        <xs:sequence>
+          <xs:element ref="pc:TermInfo" minOccurs="0" maxOccurs="unbounded"/>
+        </xs:sequence>
+      </xs:complexType>
+    </xs:element>
+    <xs:element name="TermInfo">
+      <xs:complexType>
+        <xs:sequence>
+          <xs:element ref="pc:TermName" minOccurs="0"/>
+          <xs:element ref="pc:TermId" minOccurs="0"/>
+        </xs:sequence>
+      </xs:complexType>
+    </xs:element>
+    <xs:element name="TermName" type="xs:string"/>
+    <xs:element name="TermId" type="xs:string"/>
+  </xs:schema>
+</ct:contentTypeSchema>
+</file>
+
+<file path=customXml/itemProps1.xml><?xml version="1.0" encoding="utf-8"?>
+<ds:datastoreItem xmlns:ds="http://schemas.openxmlformats.org/officeDocument/2006/customXml" ds:itemID="{7BC17B96-44E1-4D27-8275-49488FA5EBD9}">
+  <ds:schemaRefs>
+    <ds:schemaRef ds:uri="http://schemas.microsoft.com/office/2006/metadata/properties"/>
+    <ds:schemaRef ds:uri="http://schemas.microsoft.com/office/infopath/2007/PartnerControls"/>
+    <ds:schemaRef ds:uri="71af3243-3dd4-4a8d-8c0d-dd76da1f02a5"/>
+  </ds:schemaRefs>
+</ds:datastoreItem>
+</file>
+
+<file path=customXml/itemProps2.xml><?xml version="1.0" encoding="utf-8"?>
+<ds:datastoreItem xmlns:ds="http://schemas.openxmlformats.org/officeDocument/2006/customXml" ds:itemID="{BE274086-DBC4-4534-ADD1-A99867C702D6}">
+  <ds:schemaRefs>
+    <ds:schemaRef ds:uri="http://schemas.microsoft.com/sharepoint/v3/contenttype/forms"/>
+  </ds:schemaRefs>
+</ds:datastoreItem>
+</file>
+
+<file path=customXml/itemProps3.xml><?xml version="1.0" encoding="utf-8"?>
+<ds:datastoreItem xmlns:ds="http://schemas.openxmlformats.org/officeDocument/2006/customXml" ds:itemID="{01F3672F-4ECD-442D-A450-8D0D8AE9ABEE}">
+  <ds:schemaRefs>
+    <ds:schemaRef ds:uri="http://schemas.microsoft.com/office/2006/metadata/contentType"/>
+    <ds:schemaRef ds:uri="http://schemas.microsoft.com/office/2006/metadata/properties/metaAttributes"/>
+    <ds:schemaRef ds:uri="http://www.w3.org/2001/XMLSchema"/>
+    <ds:schemaRef ds:uri="http://schemas.microsoft.com/office/2006/metadata/properties"/>
+    <ds:schemaRef ds:uri="71af3243-3dd4-4a8d-8c0d-dd76da1f02a5"/>
+    <ds:schemaRef ds:uri="16c05727-aa75-4e4a-9b5f-8a80a1165891"/>
+    <ds:schemaRef ds:uri="http://schemas.microsoft.com/office/2006/documentManagement/types"/>
+    <ds:schemaRef ds:uri="http://schemas.microsoft.com/office/infopath/2007/PartnerControls"/>
+    <ds:schemaRef ds:uri="http://schemas.openxmlformats.org/package/2006/metadata/core-properties"/>
+    <ds:schemaRef ds:uri="http://purl.org/dc/elements/1.1/"/>
+    <ds:schemaRef ds:uri="http://purl.org/dc/terms/"/>
+    <ds:schemaRef ds:uri="http://schemas.microsoft.com/internal/obd"/>
+  </ds:schemaRefs>
+</ds:datastoreItem>
 </file>